--- a/Bulletin_de_veille_TEMPLATE.pptx
+++ b/Bulletin_de_veille_TEMPLATE.pptx
@@ -12,7 +12,7 @@
   </p:handoutMasterIdLst>
   <p:sldIdLst>
     <p:sldId id="327" r:id="rId5"/>
-    <p:sldId id="1448944336" r:id="rId6"/>
+    <p:sldId id="1448944349" r:id="rId6"/>
   </p:sldIdLst>
   <p:sldSz cx="12192000" cy="6858000"/>
   <p:notesSz cx="6858000" cy="9144000"/>
@@ -197,7 +197,7 @@
 <file path=ppt/revisionInfo.xml><?xml version="1.0" encoding="utf-8"?>
 <p1510:revInfo xmlns:a="http://schemas.openxmlformats.org/drawingml/2006/main" xmlns:r="http://schemas.openxmlformats.org/officeDocument/2006/relationships" xmlns:p1510="http://schemas.microsoft.com/office/powerpoint/2015/10/main">
   <p1510:revLst>
-    <p1510:client id="{629396DF-E508-46B2-9858-71FA28B1DDE5}" v="16" dt="2023-07-10T07:32:15.317"/>
+    <p1510:client id="{C231D8EA-6736-4BEA-ABE3-D06BB5CFF7BC}" v="11" dt="2023-07-25T07:24:34.665"/>
   </p1510:revLst>
 </p1510:revInfo>
 </file>
@@ -1878,6 +1878,38 @@
             <ac:graphicFrameMk id="6" creationId="{9280C3A4-128B-E2E6-AEA5-56BC57B6D0EA}"/>
           </ac:graphicFrameMkLst>
         </pc:graphicFrameChg>
+      </pc:sldChg>
+    </pc:docChg>
+  </pc:docChgLst>
+  <pc:docChgLst>
+    <pc:chgData name="Raphael URIOL" userId="319a25cb-207d-4f1a-af1a-181517071dd7" providerId="ADAL" clId="{BEFA22B8-892C-46FE-8938-5613DA6B5B1F}"/>
+    <pc:docChg chg="undo custSel modSld">
+      <pc:chgData name="Raphael URIOL" userId="319a25cb-207d-4f1a-af1a-181517071dd7" providerId="ADAL" clId="{BEFA22B8-892C-46FE-8938-5613DA6B5B1F}" dt="2023-07-25T07:50:29.838" v="6" actId="20577"/>
+      <pc:docMkLst>
+        <pc:docMk/>
+      </pc:docMkLst>
+      <pc:sldChg chg="modSp mod">
+        <pc:chgData name="Raphael URIOL" userId="319a25cb-207d-4f1a-af1a-181517071dd7" providerId="ADAL" clId="{BEFA22B8-892C-46FE-8938-5613DA6B5B1F}" dt="2023-07-25T07:50:29.838" v="6" actId="20577"/>
+        <pc:sldMkLst>
+          <pc:docMk/>
+          <pc:sldMk cId="2861070061" sldId="327"/>
+        </pc:sldMkLst>
+        <pc:spChg chg="mod">
+          <ac:chgData name="Raphael URIOL" userId="319a25cb-207d-4f1a-af1a-181517071dd7" providerId="ADAL" clId="{BEFA22B8-892C-46FE-8938-5613DA6B5B1F}" dt="2023-07-25T07:50:10.428" v="0" actId="2711"/>
+          <ac:spMkLst>
+            <pc:docMk/>
+            <pc:sldMk cId="2861070061" sldId="327"/>
+            <ac:spMk id="3" creationId="{A0E12BEA-E743-2363-EC0C-F66728992BE3}"/>
+          </ac:spMkLst>
+        </pc:spChg>
+        <pc:spChg chg="mod">
+          <ac:chgData name="Raphael URIOL" userId="319a25cb-207d-4f1a-af1a-181517071dd7" providerId="ADAL" clId="{BEFA22B8-892C-46FE-8938-5613DA6B5B1F}" dt="2023-07-25T07:50:29.838" v="6" actId="20577"/>
+          <ac:spMkLst>
+            <pc:docMk/>
+            <pc:sldMk cId="2861070061" sldId="327"/>
+            <ac:spMk id="68" creationId="{868879DD-0001-64BE-A7FD-AE58529F5CAF}"/>
+          </ac:spMkLst>
+        </pc:spChg>
       </pc:sldChg>
     </pc:docChg>
   </pc:docChgLst>
@@ -2341,6 +2373,83 @@
             <pc:docMk/>
             <pc:sldMk cId="2333747940" sldId="1448944344"/>
             <ac:graphicFrameMk id="29" creationId="{3BB8D422-EAD3-3F2F-DABF-C84521B86907}"/>
+          </ac:graphicFrameMkLst>
+        </pc:graphicFrameChg>
+      </pc:sldChg>
+    </pc:docChg>
+  </pc:docChgLst>
+  <pc:docChgLst>
+    <pc:chgData name="Luigi CANNAROZZO" userId="3b7cd067-69d7-4713-b8e2-467d046a459b" providerId="ADAL" clId="{C231D8EA-6736-4BEA-ABE3-D06BB5CFF7BC}"/>
+    <pc:docChg chg="undo custSel addSld modSld sldOrd">
+      <pc:chgData name="Luigi CANNAROZZO" userId="3b7cd067-69d7-4713-b8e2-467d046a459b" providerId="ADAL" clId="{C231D8EA-6736-4BEA-ABE3-D06BB5CFF7BC}" dt="2023-07-25T07:29:43.470" v="136" actId="20577"/>
+      <pc:docMkLst>
+        <pc:docMk/>
+      </pc:docMkLst>
+      <pc:sldChg chg="mod ord modShow">
+        <pc:chgData name="Luigi CANNAROZZO" userId="3b7cd067-69d7-4713-b8e2-467d046a459b" providerId="ADAL" clId="{C231D8EA-6736-4BEA-ABE3-D06BB5CFF7BC}" dt="2023-07-25T07:22:27.154" v="13" actId="729"/>
+        <pc:sldMkLst>
+          <pc:docMk/>
+          <pc:sldMk cId="3926959099" sldId="1448944336"/>
+        </pc:sldMkLst>
+      </pc:sldChg>
+      <pc:sldChg chg="modSp mod">
+        <pc:chgData name="Luigi CANNAROZZO" userId="3b7cd067-69d7-4713-b8e2-467d046a459b" providerId="ADAL" clId="{C231D8EA-6736-4BEA-ABE3-D06BB5CFF7BC}" dt="2023-07-25T07:25:11.421" v="98" actId="207"/>
+        <pc:sldMkLst>
+          <pc:docMk/>
+          <pc:sldMk cId="2169929944" sldId="1448944339"/>
+        </pc:sldMkLst>
+        <pc:graphicFrameChg chg="modGraphic">
+          <ac:chgData name="Luigi CANNAROZZO" userId="3b7cd067-69d7-4713-b8e2-467d046a459b" providerId="ADAL" clId="{C231D8EA-6736-4BEA-ABE3-D06BB5CFF7BC}" dt="2023-07-25T07:25:11.421" v="98" actId="207"/>
+          <ac:graphicFrameMkLst>
+            <pc:docMk/>
+            <pc:sldMk cId="2169929944" sldId="1448944339"/>
+            <ac:graphicFrameMk id="9" creationId="{2BBCEF64-19B2-4980-11AA-E677B3916334}"/>
+          </ac:graphicFrameMkLst>
+        </pc:graphicFrameChg>
+      </pc:sldChg>
+      <pc:sldChg chg="modSp add mod">
+        <pc:chgData name="Luigi CANNAROZZO" userId="3b7cd067-69d7-4713-b8e2-467d046a459b" providerId="ADAL" clId="{C231D8EA-6736-4BEA-ABE3-D06BB5CFF7BC}" dt="2023-07-25T07:21:51.320" v="10" actId="20577"/>
+        <pc:sldMkLst>
+          <pc:docMk/>
+          <pc:sldMk cId="3974473623" sldId="1448944349"/>
+        </pc:sldMkLst>
+        <pc:spChg chg="mod">
+          <ac:chgData name="Luigi CANNAROZZO" userId="3b7cd067-69d7-4713-b8e2-467d046a459b" providerId="ADAL" clId="{C231D8EA-6736-4BEA-ABE3-D06BB5CFF7BC}" dt="2023-07-25T07:20:03.859" v="2" actId="14100"/>
+          <ac:spMkLst>
+            <pc:docMk/>
+            <pc:sldMk cId="3974473623" sldId="1448944349"/>
+            <ac:spMk id="2" creationId="{42E89E30-5C31-1E45-E060-ED4F847D8B5C}"/>
+          </ac:spMkLst>
+        </pc:spChg>
+        <pc:graphicFrameChg chg="mod modGraphic">
+          <ac:chgData name="Luigi CANNAROZZO" userId="3b7cd067-69d7-4713-b8e2-467d046a459b" providerId="ADAL" clId="{C231D8EA-6736-4BEA-ABE3-D06BB5CFF7BC}" dt="2023-07-25T07:21:51.320" v="10" actId="20577"/>
+          <ac:graphicFrameMkLst>
+            <pc:docMk/>
+            <pc:sldMk cId="3974473623" sldId="1448944349"/>
+            <ac:graphicFrameMk id="6" creationId="{9280C3A4-128B-E2E6-AEA5-56BC57B6D0EA}"/>
+          </ac:graphicFrameMkLst>
+        </pc:graphicFrameChg>
+      </pc:sldChg>
+      <pc:sldChg chg="modSp add mod ord">
+        <pc:chgData name="Luigi CANNAROZZO" userId="3b7cd067-69d7-4713-b8e2-467d046a459b" providerId="ADAL" clId="{C231D8EA-6736-4BEA-ABE3-D06BB5CFF7BC}" dt="2023-07-25T07:29:43.470" v="136" actId="20577"/>
+        <pc:sldMkLst>
+          <pc:docMk/>
+          <pc:sldMk cId="3360240375" sldId="1448944352"/>
+        </pc:sldMkLst>
+        <pc:spChg chg="mod">
+          <ac:chgData name="Luigi CANNAROZZO" userId="3b7cd067-69d7-4713-b8e2-467d046a459b" providerId="ADAL" clId="{C231D8EA-6736-4BEA-ABE3-D06BB5CFF7BC}" dt="2023-07-25T07:29:43.470" v="136" actId="20577"/>
+          <ac:spMkLst>
+            <pc:docMk/>
+            <pc:sldMk cId="3360240375" sldId="1448944352"/>
+            <ac:spMk id="2" creationId="{42E89E30-5C31-1E45-E060-ED4F847D8B5C}"/>
+          </ac:spMkLst>
+        </pc:spChg>
+        <pc:graphicFrameChg chg="mod modGraphic">
+          <ac:chgData name="Luigi CANNAROZZO" userId="3b7cd067-69d7-4713-b8e2-467d046a459b" providerId="ADAL" clId="{C231D8EA-6736-4BEA-ABE3-D06BB5CFF7BC}" dt="2023-07-25T07:27:09.532" v="132" actId="20577"/>
+          <ac:graphicFrameMkLst>
+            <pc:docMk/>
+            <pc:sldMk cId="3360240375" sldId="1448944352"/>
+            <ac:graphicFrameMk id="6" creationId="{9280C3A4-128B-E2E6-AEA5-56BC57B6D0EA}"/>
           </ac:graphicFrameMkLst>
         </pc:graphicFrameChg>
       </pc:sldChg>
@@ -5878,7 +5987,7 @@
           <a:p>
             <a:fld id="{F967B5D2-F9A8-4954-ABB8-83BE9D336908}" type="datetimeFigureOut">
               <a:rPr lang="fr-FR" smtClean="0"/>
-              <a:t>24/07/2023</a:t>
+              <a:t>25/07/2023</a:t>
             </a:fld>
             <a:endParaRPr lang="fr-FR"/>
           </a:p>
@@ -6055,7 +6164,7 @@
           <a:p>
             <a:fld id="{85ECD308-74A3-4F0B-A712-9F8B3A369F4B}" type="datetimeFigureOut">
               <a:rPr lang="fr-FR" smtClean="0"/>
-              <a:t>24/07/2023</a:t>
+              <a:t>25/07/2023</a:t>
             </a:fld>
             <a:endParaRPr lang="fr-FR"/>
           </a:p>
@@ -6396,7 +6505,7 @@
     </p:spTree>
     <p:extLst>
       <p:ext uri="{BB962C8B-B14F-4D97-AF65-F5344CB8AC3E}">
-        <p14:creationId xmlns:p14="http://schemas.microsoft.com/office/powerpoint/2010/main" val="1531196525"/>
+        <p14:creationId xmlns:p14="http://schemas.microsoft.com/office/powerpoint/2010/main" val="1894756642"/>
       </p:ext>
     </p:extLst>
   </p:cSld>
@@ -6534,7 +6643,7 @@
             <a:fld id="{5055C2BB-620F-417B-B084-4A179E12BAE2}" type="datetime4">
               <a:rPr lang="fr-FR" smtClean="0"/>
               <a:pPr/>
-              <a:t>24 juillet 2023</a:t>
+              <a:t>25 juillet 2023</a:t>
             </a:fld>
             <a:endParaRPr lang="fr-FR"/>
           </a:p>
@@ -14469,21 +14578,24 @@
           <a:bodyPr/>
           <a:lstStyle/>
           <a:p>
-            <a:br>
-              <a:rPr lang="fr-FR"/>
-            </a:br>
-            <a:br>
-              <a:rPr lang="fr-FR"/>
-            </a:br>
             <a:r>
-              <a:rPr lang="fr-FR"/>
+              <a:rPr lang="fr-FR" dirty="0">
+                <a:latin typeface="Poppins Black" panose="00000A00000000000000" pitchFamily="2" charset="0"/>
+                <a:cs typeface="Poppins Black" panose="00000A00000000000000" pitchFamily="2" charset="0"/>
+              </a:rPr>
               <a:t>CERT</a:t>
             </a:r>
             <a:br>
-              <a:rPr lang="fr-FR"/>
+              <a:rPr lang="fr-FR" dirty="0">
+                <a:latin typeface="Poppins Black" panose="00000A00000000000000" pitchFamily="2" charset="0"/>
+                <a:cs typeface="Poppins Black" panose="00000A00000000000000" pitchFamily="2" charset="0"/>
+              </a:rPr>
             </a:br>
             <a:r>
-              <a:rPr lang="fr-FR"/>
+              <a:rPr lang="fr-FR" dirty="0">
+                <a:latin typeface="Poppins Black" panose="00000A00000000000000" pitchFamily="2" charset="0"/>
+                <a:cs typeface="Poppins Black" panose="00000A00000000000000" pitchFamily="2" charset="0"/>
+              </a:rPr>
               <a:t>Bulletin de veille</a:t>
             </a:r>
           </a:p>
@@ -14540,10 +14652,16 @@
           <a:lstStyle/>
           <a:p>
             <a:fld id="{AF9F64A3-A799-4C3E-99FF-3EFEEADC7E7D}" type="datetime4">
-              <a:rPr lang="fr-FR" smtClean="0"/>
-              <a:t>24 juillet 2023</a:t>
+              <a:rPr lang="fr-FR" smtClean="0">
+                <a:latin typeface="Poppins" panose="00000500000000000000" pitchFamily="2" charset="0"/>
+                <a:cs typeface="Poppins" panose="00000500000000000000" pitchFamily="2" charset="0"/>
+              </a:rPr>
+              <a:t>25 juillet 2023</a:t>
             </a:fld>
-            <a:endParaRPr lang="fr-FR"/>
+            <a:endParaRPr lang="fr-FR" dirty="0">
+              <a:latin typeface="Poppins" panose="00000500000000000000" pitchFamily="2" charset="0"/>
+              <a:cs typeface="Poppins" panose="00000500000000000000" pitchFamily="2" charset="0"/>
+            </a:endParaRPr>
           </a:p>
         </p:txBody>
       </p:sp>
@@ -14630,80 +14748,6 @@
           </a:p>
         </p:txBody>
       </p:sp>
-      <p:sp>
-        <p:nvSpPr>
-          <p:cNvPr id="2" name="Titre 13">
-            <a:extLst>
-              <a:ext uri="{FF2B5EF4-FFF2-40B4-BE49-F238E27FC236}">
-                <a16:creationId xmlns:a16="http://schemas.microsoft.com/office/drawing/2014/main" id="{42E89E30-5C31-1E45-E060-ED4F847D8B5C}"/>
-              </a:ext>
-            </a:extLst>
-          </p:cNvPr>
-          <p:cNvSpPr txBox="1">
-            <a:spLocks/>
-          </p:cNvSpPr>
-          <p:nvPr/>
-        </p:nvSpPr>
-        <p:spPr>
-          <a:xfrm>
-            <a:off x="660604" y="481594"/>
-            <a:ext cx="9931280" cy="702628"/>
-          </a:xfrm>
-          <a:solidFill>
-            <a:schemeClr val="bg1"/>
-          </a:solidFill>
-          <a:ln>
-            <a:noFill/>
-          </a:ln>
-        </p:spPr>
-        <p:style>
-          <a:lnRef idx="2">
-            <a:schemeClr val="dk1"/>
-          </a:lnRef>
-          <a:fillRef idx="1">
-            <a:schemeClr val="lt1"/>
-          </a:fillRef>
-          <a:effectRef idx="0">
-            <a:schemeClr val="dk1"/>
-          </a:effectRef>
-          <a:fontRef idx="minor">
-            <a:schemeClr val="dk1"/>
-          </a:fontRef>
-        </p:style>
-        <p:txBody>
-          <a:bodyPr wrap="square" anchor="b" anchorCtr="0">
-            <a:spAutoFit/>
-          </a:bodyPr>
-          <a:lstStyle>
-            <a:lvl1pPr algn="l" defTabSz="914400" rtl="0" eaLnBrk="1" latinLnBrk="0" hangingPunct="1">
-              <a:lnSpc>
-                <a:spcPct val="90000"/>
-              </a:lnSpc>
-              <a:spcBef>
-                <a:spcPct val="0"/>
-              </a:spcBef>
-              <a:buNone/>
-              <a:defRPr sz="4400" kern="1200">
-                <a:solidFill>
-                  <a:schemeClr val="tx1"/>
-                </a:solidFill>
-                <a:latin typeface="Arial" panose="020B0604020202020204" pitchFamily="34" charset="0"/>
-                <a:ea typeface="+mj-ea"/>
-                <a:cs typeface="Arial" panose="020B0604020202020204" pitchFamily="34" charset="0"/>
-              </a:defRPr>
-            </a:lvl1pPr>
-          </a:lstStyle>
-          <a:p>
-            <a:r>
-              <a:rPr lang="fr-FR" sz="3600" dirty="0">
-                <a:latin typeface="Poppins" panose="00000500000000000000" pitchFamily="2" charset="0"/>
-                <a:cs typeface="Poppins" panose="00000500000000000000" pitchFamily="2" charset="0"/>
-              </a:rPr>
-              <a:t>&lt;CVE ID + nom du produit&gt;</a:t>
-            </a:r>
-          </a:p>
-        </p:txBody>
-      </p:sp>
       <p:graphicFrame>
         <p:nvGraphicFramePr>
           <p:cNvPr id="6" name="Tableau 5">
@@ -14719,14 +14763,14 @@
           <p:nvPr>
             <p:extLst>
               <p:ext uri="{D42A27DB-BD31-4B8C-83A1-F6EECF244321}">
-                <p14:modId xmlns:p14="http://schemas.microsoft.com/office/powerpoint/2010/main" val="1411747658"/>
+                <p14:modId xmlns:p14="http://schemas.microsoft.com/office/powerpoint/2010/main" val="3362550816"/>
               </p:ext>
             </p:extLst>
           </p:nvPr>
         </p:nvGraphicFramePr>
         <p:xfrm>
-          <a:off x="660604" y="1429512"/>
-          <a:ext cx="10035971" cy="5041898"/>
+          <a:off x="660604" y="1445832"/>
+          <a:ext cx="10035971" cy="4215803"/>
         </p:xfrm>
         <a:graphic>
           <a:graphicData uri="http://schemas.openxmlformats.org/drawingml/2006/table">
@@ -14754,17 +14798,10 @@
                     </a:ext>
                   </a:extLst>
                 </a:gridCol>
-                <a:gridCol w="558122">
+                <a:gridCol w="1473945">
                   <a:extLst>
                     <a:ext uri="{9D8B030D-6E8A-4147-A177-3AD203B41FA5}">
                       <a16:colId xmlns:a16="http://schemas.microsoft.com/office/drawing/2014/main" val="1479959244"/>
-                    </a:ext>
-                  </a:extLst>
-                </a:gridCol>
-                <a:gridCol w="915823">
-                  <a:extLst>
-                    <a:ext uri="{9D8B030D-6E8A-4147-A177-3AD203B41FA5}">
-                      <a16:colId xmlns:a16="http://schemas.microsoft.com/office/drawing/2014/main" val="634786301"/>
                     </a:ext>
                   </a:extLst>
                 </a:gridCol>
@@ -14797,7 +14834,7 @@
                   </a:extLst>
                 </a:gridCol>
               </a:tblGrid>
-              <a:tr h="182880">
+              <a:tr h="273600">
                 <a:tc>
                   <a:txBody>
                     <a:bodyPr/>
@@ -14805,7 +14842,7 @@
                     <a:p>
                       <a:pPr algn="ctr"/>
                       <a:r>
-                        <a:rPr lang="fr-FR" sz="1100" b="1" dirty="0">
+                        <a:rPr lang="fr-FR" sz="1100" b="1">
                           <a:solidFill>
                             <a:srgbClr val="FFFFFF"/>
                           </a:solidFill>
@@ -14816,7 +14853,7 @@
                         </a:rPr>
                         <a:t>CVSS</a:t>
                       </a:r>
-                      <a:endParaRPr lang="fr-FR" sz="1100" dirty="0">
+                      <a:endParaRPr lang="fr-FR" sz="1100">
                         <a:effectLst/>
                         <a:latin typeface="Poppins" panose="00000500000000000000" pitchFamily="2" charset="0"/>
                         <a:ea typeface="Times New Roman" panose="02020603050405020304" pitchFamily="18" charset="0"/>
@@ -14860,13 +14897,16 @@
                     </a:solidFill>
                   </a:tcPr>
                 </a:tc>
-                <a:tc gridSpan="8">
+                <a:tc gridSpan="7">
                   <a:txBody>
                     <a:bodyPr/>
                     <a:lstStyle/>
                     <a:p>
                       <a:pPr algn="ctr"/>
-                      <a:endParaRPr lang="fr-FR" sz="1100" dirty="0">
+                      <a:endParaRPr lang="pt-BR" sz="1100" b="1" dirty="0">
+                        <a:solidFill>
+                          <a:srgbClr val="FFFFFF"/>
+                        </a:solidFill>
                         <a:effectLst/>
                         <a:latin typeface="Poppins"/>
                         <a:ea typeface="Times New Roman" panose="02020603050405020304" pitchFamily="18" charset="0"/>
@@ -14898,7 +14938,7 @@
                     </a:lnT>
                     <a:lnB w="12700" cap="flat" cmpd="sng" algn="ctr">
                       <a:solidFill>
-                        <a:srgbClr val="FFFFFF"/>
+                        <a:schemeClr val="bg1"/>
                       </a:solidFill>
                       <a:prstDash val="solid"/>
                       <a:round/>
@@ -14938,17 +14978,17 @@
                       <a:endParaRPr lang="fr-FR"/>
                     </a:p>
                   </a:txBody>
-                  <a:tcPr/>
-                </a:tc>
-                <a:tc hMerge="1">
-                  <a:txBody>
-                    <a:bodyPr/>
-                    <a:lstStyle/>
-                    <a:p>
-                      <a:endParaRPr lang="fr-FR"/>
-                    </a:p>
-                  </a:txBody>
-                  <a:tcPr/>
+                  <a:tcPr>
+                    <a:lnL w="12700" cap="flat" cmpd="sng" algn="ctr">
+                      <a:solidFill>
+                        <a:srgbClr val="FFFFFF"/>
+                      </a:solidFill>
+                      <a:prstDash val="solid"/>
+                      <a:round/>
+                      <a:headEnd type="none" w="med" len="med"/>
+                      <a:tailEnd type="none" w="med" len="med"/>
+                    </a:lnL>
+                  </a:tcPr>
                 </a:tc>
                 <a:tc hMerge="1">
                   <a:txBody>
@@ -14996,7 +15036,7 @@
                   </a:ext>
                 </a:extLst>
               </a:tr>
-              <a:tr h="182880">
+              <a:tr h="216000">
                 <a:tc rowSpan="5">
                   <a:txBody>
                     <a:bodyPr/>
@@ -15004,7 +15044,7 @@
                     <a:p>
                       <a:pPr algn="ctr"/>
                       <a:r>
-                        <a:rPr lang="fr-FR" sz="1100" b="1" dirty="0">
+                        <a:rPr lang="fr-FR" sz="1100" b="1">
                           <a:solidFill>
                             <a:srgbClr val="FFFFFF"/>
                           </a:solidFill>
@@ -15015,7 +15055,7 @@
                         </a:rPr>
                         <a:t>Métriques</a:t>
                       </a:r>
-                      <a:endParaRPr lang="fr-FR" sz="1100" dirty="0">
+                      <a:endParaRPr lang="fr-FR" sz="1100">
                         <a:effectLst/>
                         <a:latin typeface="Poppins"/>
                         <a:ea typeface="Times New Roman" panose="02020603050405020304" pitchFamily="18" charset="0"/>
@@ -15035,7 +15075,7 @@
                     </a:lnL>
                     <a:lnR w="12700" cap="flat" cmpd="sng" algn="ctr">
                       <a:solidFill>
-                        <a:srgbClr val="FFFFFF"/>
+                        <a:schemeClr val="bg1"/>
                       </a:solidFill>
                       <a:prstDash val="solid"/>
                       <a:round/>
@@ -15065,14 +15105,14 @@
                     </a:solidFill>
                   </a:tcPr>
                 </a:tc>
-                <a:tc gridSpan="3">
+                <a:tc gridSpan="2">
                   <a:txBody>
                     <a:bodyPr/>
                     <a:lstStyle/>
                     <a:p>
                       <a:pPr algn="ctr"/>
                       <a:r>
-                        <a:rPr lang="fr-FR" sz="1100" b="1" dirty="0">
+                        <a:rPr lang="fr-FR" sz="1100" b="1">
                           <a:solidFill>
                             <a:srgbClr val="FFFFFF"/>
                           </a:solidFill>
@@ -15083,7 +15123,7 @@
                         </a:rPr>
                         <a:t>Exploitabilité</a:t>
                       </a:r>
-                      <a:endParaRPr lang="fr-FR" sz="1100" dirty="0">
+                      <a:endParaRPr lang="fr-FR" sz="1100">
                         <a:effectLst/>
                         <a:latin typeface="Poppins"/>
                         <a:ea typeface="Times New Roman" panose="02020603050405020304" pitchFamily="18" charset="0"/>
@@ -15094,19 +15134,25 @@
                   <a:tcPr marL="44450" marR="44450" marT="0" marB="0" anchor="ctr">
                     <a:lnL w="12700" cap="flat" cmpd="sng" algn="ctr">
                       <a:solidFill>
-                        <a:srgbClr val="FFFFFF"/>
+                        <a:schemeClr val="bg1"/>
                       </a:solidFill>
                       <a:prstDash val="solid"/>
                       <a:round/>
                       <a:headEnd type="none" w="med" len="med"/>
                       <a:tailEnd type="none" w="med" len="med"/>
                     </a:lnL>
-                    <a:lnR>
-                      <a:noFill/>
+                    <a:lnR w="12700" cap="flat" cmpd="sng" algn="ctr">
+                      <a:solidFill>
+                        <a:schemeClr val="bg1"/>
+                      </a:solidFill>
+                      <a:prstDash val="solid"/>
+                      <a:round/>
+                      <a:headEnd type="none" w="med" len="med"/>
+                      <a:tailEnd type="none" w="med" len="med"/>
                     </a:lnR>
                     <a:lnT w="12700" cap="flat" cmpd="sng" algn="ctr">
                       <a:solidFill>
-                        <a:srgbClr val="FFFFFF"/>
+                        <a:schemeClr val="bg1"/>
                       </a:solidFill>
                       <a:prstDash val="solid"/>
                       <a:round/>
@@ -15115,27 +15161,25 @@
                     </a:lnT>
                     <a:lnB w="12700" cap="flat" cmpd="sng" algn="ctr">
                       <a:solidFill>
-                        <a:srgbClr val="FFFFFF"/>
+                        <a:schemeClr val="bg1"/>
                       </a:solidFill>
                       <a:prstDash val="solid"/>
                       <a:round/>
                       <a:headEnd type="none" w="med" len="med"/>
                       <a:tailEnd type="none" w="med" len="med"/>
                     </a:lnB>
+                    <a:lnTlToBr w="12700" cmpd="sng">
+                      <a:noFill/>
+                      <a:prstDash val="solid"/>
+                    </a:lnTlToBr>
+                    <a:lnBlToTr w="12700" cmpd="sng">
+                      <a:noFill/>
+                      <a:prstDash val="solid"/>
+                    </a:lnBlToTr>
                     <a:solidFill>
                       <a:srgbClr val="262626"/>
                     </a:solidFill>
                   </a:tcPr>
-                </a:tc>
-                <a:tc hMerge="1">
-                  <a:txBody>
-                    <a:bodyPr/>
-                    <a:lstStyle/>
-                    <a:p>
-                      <a:endParaRPr lang="fr-FR"/>
-                    </a:p>
-                  </a:txBody>
-                  <a:tcPr/>
                 </a:tc>
                 <a:tc hMerge="1">
                   <a:txBody>
@@ -15154,7 +15198,7 @@
                     <a:p>
                       <a:pPr algn="ctr"/>
                       <a:r>
-                        <a:rPr lang="fr-FR" sz="1100" b="1" dirty="0">
+                        <a:rPr lang="fr-FR" sz="1100" b="1">
                           <a:solidFill>
                             <a:srgbClr val="FFFFFF"/>
                           </a:solidFill>
@@ -15165,24 +15209,31 @@
                         </a:rPr>
                         <a:t>Impact</a:t>
                       </a:r>
-                      <a:endParaRPr lang="fr-FR" sz="1100" dirty="0">
-                        <a:effectLst/>
-                        <a:latin typeface="Poppins"/>
-                        <a:ea typeface="Times New Roman" panose="02020603050405020304" pitchFamily="18" charset="0"/>
-                        <a:cs typeface="Poppins"/>
-                      </a:endParaRPr>
+                      <a:endParaRPr lang="fr-FR"/>
                     </a:p>
                   </a:txBody>
                   <a:tcPr marL="44450" marR="44450" marT="0" marB="0" anchor="ctr">
-                    <a:lnL>
-                      <a:noFill/>
+                    <a:lnL w="12700" cap="flat" cmpd="sng" algn="ctr">
+                      <a:solidFill>
+                        <a:schemeClr val="bg1"/>
+                      </a:solidFill>
+                      <a:prstDash val="solid"/>
+                      <a:round/>
+                      <a:headEnd type="none" w="med" len="med"/>
+                      <a:tailEnd type="none" w="med" len="med"/>
                     </a:lnL>
-                    <a:lnR>
-                      <a:noFill/>
+                    <a:lnR w="12700" cap="flat" cmpd="sng" algn="ctr">
+                      <a:solidFill>
+                        <a:schemeClr val="bg1"/>
+                      </a:solidFill>
+                      <a:prstDash val="solid"/>
+                      <a:round/>
+                      <a:headEnd type="none" w="med" len="med"/>
+                      <a:tailEnd type="none" w="med" len="med"/>
                     </a:lnR>
                     <a:lnT w="12700" cap="flat" cmpd="sng" algn="ctr">
                       <a:solidFill>
-                        <a:srgbClr val="FFFFFF"/>
+                        <a:schemeClr val="bg1"/>
                       </a:solidFill>
                       <a:prstDash val="solid"/>
                       <a:round/>
@@ -15191,13 +15242,21 @@
                     </a:lnT>
                     <a:lnB w="12700" cap="flat" cmpd="sng" algn="ctr">
                       <a:solidFill>
-                        <a:srgbClr val="FFFFFF"/>
+                        <a:schemeClr val="bg1"/>
                       </a:solidFill>
                       <a:prstDash val="solid"/>
                       <a:round/>
                       <a:headEnd type="none" w="med" len="med"/>
                       <a:tailEnd type="none" w="med" len="med"/>
                     </a:lnB>
+                    <a:lnTlToBr w="12700" cmpd="sng">
+                      <a:noFill/>
+                      <a:prstDash val="solid"/>
+                    </a:lnTlToBr>
+                    <a:lnBlToTr w="12700" cmpd="sng">
+                      <a:noFill/>
+                      <a:prstDash val="solid"/>
+                    </a:lnBlToTr>
                     <a:solidFill>
                       <a:srgbClr val="262626"/>
                     </a:solidFill>
@@ -15211,7 +15270,17 @@
                       <a:endParaRPr lang="fr-FR"/>
                     </a:p>
                   </a:txBody>
-                  <a:tcPr/>
+                  <a:tcPr>
+                    <a:lnL w="12700" cap="flat" cmpd="sng" algn="ctr">
+                      <a:solidFill>
+                        <a:schemeClr val="bg1"/>
+                      </a:solidFill>
+                      <a:prstDash val="solid"/>
+                      <a:round/>
+                      <a:headEnd type="none" w="med" len="med"/>
+                      <a:tailEnd type="none" w="med" len="med"/>
+                    </a:lnL>
+                  </a:tcPr>
                 </a:tc>
                 <a:tc hMerge="1">
                   <a:txBody>
@@ -15251,7 +15320,7 @@
                         </a:rPr>
                         <a:t>Sévérité</a:t>
                       </a:r>
-                      <a:endParaRPr lang="fr-FR" sz="1100" dirty="0">
+                      <a:endParaRPr lang="fr-FR" sz="1100">
                         <a:effectLst/>
                         <a:latin typeface="Poppins"/>
                         <a:ea typeface="Times New Roman" panose="02020603050405020304" pitchFamily="18" charset="0"/>
@@ -15260,21 +15329,42 @@
                     </a:p>
                   </a:txBody>
                   <a:tcPr marL="44450" marR="44450" marT="0" marB="0" anchor="ctr">
-                    <a:lnL>
-                      <a:noFill/>
-                    </a:lnL>
-                    <a:lnR w="12700" cap="flat" cmpd="sng" algn="ctr">
+                    <a:lnL w="12700" cap="flat" cmpd="sng" algn="ctr">
                       <a:solidFill>
-                        <a:srgbClr val="AEAAAA"/>
+                        <a:schemeClr val="bg1"/>
                       </a:solidFill>
                       <a:prstDash val="solid"/>
                       <a:round/>
                       <a:headEnd type="none" w="med" len="med"/>
                       <a:tailEnd type="none" w="med" len="med"/>
+                    </a:lnL>
+                    <a:lnR w="12700" cap="flat" cmpd="sng" algn="ctr">
+                      <a:noFill/>
+                      <a:prstDash val="solid"/>
+                      <a:round/>
+                      <a:headEnd type="none" w="med" len="med"/>
+                      <a:tailEnd type="none" w="med" len="med"/>
                     </a:lnR>
+                    <a:lnT w="12700" cap="flat" cmpd="sng" algn="ctr">
+                      <a:solidFill>
+                        <a:schemeClr val="bg1"/>
+                      </a:solidFill>
+                      <a:prstDash val="solid"/>
+                      <a:round/>
+                      <a:headEnd type="none" w="med" len="med"/>
+                      <a:tailEnd type="none" w="med" len="med"/>
+                    </a:lnT>
                     <a:lnB>
                       <a:noFill/>
                     </a:lnB>
+                    <a:lnTlToBr w="12700" cmpd="sng">
+                      <a:noFill/>
+                      <a:prstDash val="solid"/>
+                    </a:lnTlToBr>
+                    <a:lnBlToTr w="12700" cmpd="sng">
+                      <a:noFill/>
+                      <a:prstDash val="solid"/>
+                    </a:lnBlToTr>
                     <a:solidFill>
                       <a:srgbClr val="262626"/>
                     </a:solidFill>
@@ -15304,7 +15394,7 @@
                     <a:p>
                       <a:pPr algn="l"/>
                       <a:r>
-                        <a:rPr lang="fr-FR" sz="1100" dirty="0">
+                        <a:rPr lang="fr-FR" sz="1100">
                           <a:solidFill>
                             <a:srgbClr val="000000"/>
                           </a:solidFill>
@@ -15315,7 +15405,7 @@
                         </a:rPr>
                         <a:t>Vecteur d’attaque</a:t>
                       </a:r>
-                      <a:endParaRPr lang="fr-FR" sz="1100" dirty="0">
+                      <a:endParaRPr lang="fr-FR" sz="1100">
                         <a:effectLst/>
                         <a:latin typeface="Poppins" panose="00000500000000000000" pitchFamily="2" charset="0"/>
                         <a:ea typeface="Times New Roman" panose="02020603050405020304" pitchFamily="18" charset="0"/>
@@ -15326,7 +15416,314 @@
                   <a:tcPr marL="44450" marR="44450" marT="0" marB="0" anchor="ctr">
                     <a:lnL w="12700" cap="flat" cmpd="sng" algn="ctr">
                       <a:solidFill>
+                        <a:schemeClr val="bg1"/>
+                      </a:solidFill>
+                      <a:prstDash val="solid"/>
+                      <a:round/>
+                      <a:headEnd type="none" w="med" len="med"/>
+                      <a:tailEnd type="none" w="med" len="med"/>
+                    </a:lnL>
+                    <a:lnR>
+                      <a:noFill/>
+                    </a:lnR>
+                    <a:lnT w="12700" cap="flat" cmpd="sng" algn="ctr">
+                      <a:solidFill>
+                        <a:schemeClr val="bg1"/>
+                      </a:solidFill>
+                      <a:prstDash val="solid"/>
+                      <a:round/>
+                      <a:headEnd type="none" w="med" len="med"/>
+                      <a:tailEnd type="none" w="med" len="med"/>
+                    </a:lnT>
+                    <a:lnB w="12700" cap="flat" cmpd="sng" algn="ctr">
+                      <a:solidFill>
                         <a:srgbClr val="FFFFFF"/>
+                      </a:solidFill>
+                      <a:prstDash val="solid"/>
+                      <a:round/>
+                      <a:headEnd type="none" w="med" len="med"/>
+                      <a:tailEnd type="none" w="med" len="med"/>
+                    </a:lnB>
+                    <a:solidFill>
+                      <a:srgbClr val="F2F2F2"/>
+                    </a:solidFill>
+                  </a:tcPr>
+                </a:tc>
+                <a:tc>
+                  <a:txBody>
+                    <a:bodyPr/>
+                    <a:lstStyle/>
+                    <a:p>
+                      <a:pPr algn="l"/>
+                      <a:endParaRPr lang="fr-FR" sz="1100" dirty="0">
+                        <a:solidFill>
+                          <a:srgbClr val="000000"/>
+                        </a:solidFill>
+                        <a:effectLst/>
+                        <a:latin typeface="Poppins" panose="00000500000000000000" pitchFamily="2" charset="0"/>
+                        <a:ea typeface="Times New Roman" panose="02020603050405020304" pitchFamily="18" charset="0"/>
+                        <a:cs typeface="Poppins" panose="00000500000000000000" pitchFamily="2" charset="0"/>
+                      </a:endParaRPr>
+                    </a:p>
+                  </a:txBody>
+                  <a:tcPr marL="44450" marR="44450" marT="0" marB="0" anchor="ctr">
+                    <a:lnL>
+                      <a:noFill/>
+                    </a:lnL>
+                    <a:lnR>
+                      <a:noFill/>
+                    </a:lnR>
+                    <a:lnT w="12700" cap="flat" cmpd="sng" algn="ctr">
+                      <a:solidFill>
+                        <a:schemeClr val="bg1"/>
+                      </a:solidFill>
+                      <a:prstDash val="solid"/>
+                      <a:round/>
+                      <a:headEnd type="none" w="med" len="med"/>
+                      <a:tailEnd type="none" w="med" len="med"/>
+                    </a:lnT>
+                    <a:lnB w="12700" cap="flat" cmpd="sng" algn="ctr">
+                      <a:solidFill>
+                        <a:srgbClr val="FFFFFF"/>
+                      </a:solidFill>
+                      <a:prstDash val="solid"/>
+                      <a:round/>
+                      <a:headEnd type="none" w="med" len="med"/>
+                      <a:tailEnd type="none" w="med" len="med"/>
+                    </a:lnB>
+                    <a:solidFill>
+                      <a:srgbClr val="FFFFFF"/>
+                    </a:solidFill>
+                  </a:tcPr>
+                </a:tc>
+                <a:tc gridSpan="2">
+                  <a:txBody>
+                    <a:bodyPr/>
+                    <a:lstStyle/>
+                    <a:p>
+                      <a:pPr algn="l"/>
+                      <a:r>
+                        <a:rPr lang="fr-FR" sz="1100">
+                          <a:solidFill>
+                            <a:srgbClr val="000000"/>
+                          </a:solidFill>
+                          <a:effectLst/>
+                          <a:latin typeface="Poppins" panose="00000500000000000000" pitchFamily="2" charset="0"/>
+                          <a:ea typeface="Times New Roman" panose="02020603050405020304" pitchFamily="18" charset="0"/>
+                          <a:cs typeface="Poppins" panose="00000500000000000000" pitchFamily="2" charset="0"/>
+                        </a:rPr>
+                        <a:t>Périmètre</a:t>
+                      </a:r>
+                      <a:endParaRPr lang="fr-FR" sz="1100">
+                        <a:effectLst/>
+                        <a:latin typeface="Poppins" panose="00000500000000000000" pitchFamily="2" charset="0"/>
+                        <a:ea typeface="Times New Roman" panose="02020603050405020304" pitchFamily="18" charset="0"/>
+                        <a:cs typeface="Poppins" panose="00000500000000000000" pitchFamily="2" charset="0"/>
+                      </a:endParaRPr>
+                    </a:p>
+                  </a:txBody>
+                  <a:tcPr marL="44450" marR="44450" marT="0" marB="0" anchor="ctr">
+                    <a:lnL>
+                      <a:noFill/>
+                    </a:lnL>
+                    <a:lnR>
+                      <a:noFill/>
+                    </a:lnR>
+                    <a:lnT w="12700" cap="flat" cmpd="sng" algn="ctr">
+                      <a:solidFill>
+                        <a:schemeClr val="bg1"/>
+                      </a:solidFill>
+                      <a:prstDash val="solid"/>
+                      <a:round/>
+                      <a:headEnd type="none" w="med" len="med"/>
+                      <a:tailEnd type="none" w="med" len="med"/>
+                    </a:lnT>
+                    <a:lnB w="12700" cap="flat" cmpd="sng" algn="ctr">
+                      <a:solidFill>
+                        <a:srgbClr val="FFFFFF"/>
+                      </a:solidFill>
+                      <a:prstDash val="solid"/>
+                      <a:round/>
+                      <a:headEnd type="none" w="med" len="med"/>
+                      <a:tailEnd type="none" w="med" len="med"/>
+                    </a:lnB>
+                    <a:solidFill>
+                      <a:srgbClr val="F2F2F2"/>
+                    </a:solidFill>
+                  </a:tcPr>
+                </a:tc>
+                <a:tc hMerge="1">
+                  <a:txBody>
+                    <a:bodyPr/>
+                    <a:lstStyle/>
+                    <a:p>
+                      <a:endParaRPr lang="fr-FR"/>
+                    </a:p>
+                  </a:txBody>
+                  <a:tcPr>
+                    <a:lnL w="12700" cmpd="sng">
+                      <a:noFill/>
+                      <a:prstDash val="solid"/>
+                    </a:lnL>
+                  </a:tcPr>
+                </a:tc>
+                <a:tc gridSpan="2">
+                  <a:txBody>
+                    <a:bodyPr/>
+                    <a:lstStyle/>
+                    <a:p>
+                      <a:pPr algn="l"/>
+                      <a:endParaRPr lang="fr-FR" sz="1100" dirty="0">
+                        <a:effectLst/>
+                        <a:latin typeface="Poppins" panose="00000500000000000000" pitchFamily="2" charset="0"/>
+                        <a:ea typeface="Times New Roman" panose="02020603050405020304" pitchFamily="18" charset="0"/>
+                        <a:cs typeface="Poppins" panose="00000500000000000000" pitchFamily="2" charset="0"/>
+                      </a:endParaRPr>
+                    </a:p>
+                  </a:txBody>
+                  <a:tcPr marL="44450" marR="44450" marT="0" marB="0" anchor="ctr">
+                    <a:lnL>
+                      <a:noFill/>
+                    </a:lnL>
+                    <a:lnR w="12700" cap="flat" cmpd="sng" algn="ctr">
+                      <a:solidFill>
+                        <a:schemeClr val="bg1"/>
+                      </a:solidFill>
+                      <a:prstDash val="solid"/>
+                      <a:round/>
+                      <a:headEnd type="none" w="med" len="med"/>
+                      <a:tailEnd type="none" w="med" len="med"/>
+                    </a:lnR>
+                    <a:lnT w="12700" cap="flat" cmpd="sng" algn="ctr">
+                      <a:solidFill>
+                        <a:schemeClr val="bg1"/>
+                      </a:solidFill>
+                      <a:prstDash val="solid"/>
+                      <a:round/>
+                      <a:headEnd type="none" w="med" len="med"/>
+                      <a:tailEnd type="none" w="med" len="med"/>
+                    </a:lnT>
+                    <a:lnB w="12700" cap="flat" cmpd="sng" algn="ctr">
+                      <a:solidFill>
+                        <a:srgbClr val="FFFFFF"/>
+                      </a:solidFill>
+                      <a:prstDash val="solid"/>
+                      <a:round/>
+                      <a:headEnd type="none" w="med" len="med"/>
+                      <a:tailEnd type="none" w="med" len="med"/>
+                    </a:lnB>
+                    <a:solidFill>
+                      <a:srgbClr val="FFFFFF"/>
+                    </a:solidFill>
+                  </a:tcPr>
+                </a:tc>
+                <a:tc hMerge="1">
+                  <a:txBody>
+                    <a:bodyPr/>
+                    <a:lstStyle/>
+                    <a:p>
+                      <a:endParaRPr lang="fr-FR"/>
+                    </a:p>
+                  </a:txBody>
+                  <a:tcPr/>
+                </a:tc>
+                <a:tc rowSpan="4">
+                  <a:txBody>
+                    <a:bodyPr/>
+                    <a:lstStyle/>
+                    <a:p>
+                      <a:pPr algn="ctr"/>
+                      <a:endParaRPr lang="fr-FR" sz="1100" noProof="0" dirty="0">
+                        <a:effectLst/>
+                        <a:latin typeface="Poppins"/>
+                        <a:ea typeface="Times New Roman" panose="02020603050405020304" pitchFamily="18" charset="0"/>
+                        <a:cs typeface="Times New Roman"/>
+                      </a:endParaRPr>
+                    </a:p>
+                  </a:txBody>
+                  <a:tcPr marL="44450" marR="44450" marT="0" marB="0" anchor="ctr">
+                    <a:lnL w="12700" cap="flat" cmpd="sng" algn="ctr">
+                      <a:solidFill>
+                        <a:schemeClr val="bg1"/>
+                      </a:solidFill>
+                      <a:prstDash val="solid"/>
+                      <a:round/>
+                      <a:headEnd type="none" w="med" len="med"/>
+                      <a:tailEnd type="none" w="med" len="med"/>
+                    </a:lnL>
+                    <a:lnR w="12700" cap="flat" cmpd="sng" algn="ctr">
+                      <a:solidFill>
+                        <a:srgbClr val="AEAAAA"/>
+                      </a:solidFill>
+                      <a:prstDash val="solid"/>
+                      <a:round/>
+                      <a:headEnd type="none" w="med" len="med"/>
+                      <a:tailEnd type="none" w="med" len="med"/>
+                    </a:lnR>
+                    <a:lnT>
+                      <a:noFill/>
+                    </a:lnT>
+                    <a:lnB w="12700" cap="flat" cmpd="sng" algn="ctr">
+                      <a:solidFill>
+                        <a:srgbClr val="AEAAAA"/>
+                      </a:solidFill>
+                      <a:prstDash val="solid"/>
+                      <a:round/>
+                      <a:headEnd type="none" w="med" len="med"/>
+                      <a:tailEnd type="none" w="med" len="med"/>
+                    </a:lnB>
+                    <a:solidFill>
+                      <a:srgbClr val="DF3D03"/>
+                    </a:solidFill>
+                  </a:tcPr>
+                </a:tc>
+                <a:extLst>
+                  <a:ext uri="{0D108BD9-81ED-4DB2-BD59-A6C34878D82A}">
+                    <a16:rowId xmlns:a16="http://schemas.microsoft.com/office/drawing/2014/main" val="1065214701"/>
+                  </a:ext>
+                </a:extLst>
+              </a:tr>
+              <a:tr h="274320">
+                <a:tc vMerge="1">
+                  <a:txBody>
+                    <a:bodyPr/>
+                    <a:lstStyle/>
+                    <a:p>
+                      <a:endParaRPr lang="fr-FR"/>
+                    </a:p>
+                  </a:txBody>
+                  <a:tcPr/>
+                </a:tc>
+                <a:tc>
+                  <a:txBody>
+                    <a:bodyPr/>
+                    <a:lstStyle/>
+                    <a:p>
+                      <a:pPr algn="l"/>
+                      <a:r>
+                        <a:rPr lang="fr-FR" sz="1100">
+                          <a:solidFill>
+                            <a:srgbClr val="000000"/>
+                          </a:solidFill>
+                          <a:effectLst/>
+                          <a:latin typeface="Poppins"/>
+                          <a:ea typeface="Times New Roman" panose="02020603050405020304" pitchFamily="18" charset="0"/>
+                          <a:cs typeface="Poppins"/>
+                        </a:rPr>
+                        <a:t>Complexité</a:t>
+                      </a:r>
+                      <a:endParaRPr lang="fr-FR" sz="1100">
+                        <a:effectLst/>
+                        <a:latin typeface="Poppins"/>
+                        <a:ea typeface="Times New Roman" panose="02020603050405020304" pitchFamily="18" charset="0"/>
+                        <a:cs typeface="Poppins"/>
+                      </a:endParaRPr>
+                    </a:p>
+                  </a:txBody>
+                  <a:tcPr marL="44450" marR="44450" marT="0" marB="0" anchor="ctr">
+                    <a:lnL w="12700" cap="flat" cmpd="sng" algn="ctr">
+                      <a:solidFill>
+                        <a:schemeClr val="bg1"/>
                       </a:solidFill>
                       <a:prstDash val="solid"/>
                       <a:round/>
@@ -15403,310 +15800,7 @@
                     </a:solidFill>
                   </a:tcPr>
                 </a:tc>
-                <a:tc gridSpan="3">
-                  <a:txBody>
-                    <a:bodyPr/>
-                    <a:lstStyle/>
-                    <a:p>
-                      <a:pPr algn="l"/>
-                      <a:r>
-                        <a:rPr lang="fr-FR" sz="1100" dirty="0">
-                          <a:solidFill>
-                            <a:srgbClr val="000000"/>
-                          </a:solidFill>
-                          <a:effectLst/>
-                          <a:latin typeface="Poppins" panose="00000500000000000000" pitchFamily="2" charset="0"/>
-                          <a:ea typeface="Times New Roman" panose="02020603050405020304" pitchFamily="18" charset="0"/>
-                          <a:cs typeface="Poppins" panose="00000500000000000000" pitchFamily="2" charset="0"/>
-                        </a:rPr>
-                        <a:t>Périmètre</a:t>
-                      </a:r>
-                      <a:endParaRPr lang="fr-FR" sz="1100" dirty="0">
-                        <a:effectLst/>
-                        <a:latin typeface="Poppins" panose="00000500000000000000" pitchFamily="2" charset="0"/>
-                        <a:ea typeface="Times New Roman" panose="02020603050405020304" pitchFamily="18" charset="0"/>
-                        <a:cs typeface="Poppins" panose="00000500000000000000" pitchFamily="2" charset="0"/>
-                      </a:endParaRPr>
-                    </a:p>
-                  </a:txBody>
-                  <a:tcPr marL="44450" marR="44450" marT="0" marB="0" anchor="ctr">
-                    <a:lnL>
-                      <a:noFill/>
-                    </a:lnL>
-                    <a:lnR>
-                      <a:noFill/>
-                    </a:lnR>
-                    <a:lnT w="12700" cap="flat" cmpd="sng" algn="ctr">
-                      <a:solidFill>
-                        <a:srgbClr val="FFFFFF"/>
-                      </a:solidFill>
-                      <a:prstDash val="solid"/>
-                      <a:round/>
-                      <a:headEnd type="none" w="med" len="med"/>
-                      <a:tailEnd type="none" w="med" len="med"/>
-                    </a:lnT>
-                    <a:lnB w="12700" cap="flat" cmpd="sng" algn="ctr">
-                      <a:solidFill>
-                        <a:srgbClr val="FFFFFF"/>
-                      </a:solidFill>
-                      <a:prstDash val="solid"/>
-                      <a:round/>
-                      <a:headEnd type="none" w="med" len="med"/>
-                      <a:tailEnd type="none" w="med" len="med"/>
-                    </a:lnB>
-                    <a:solidFill>
-                      <a:srgbClr val="F2F2F2"/>
-                    </a:solidFill>
-                  </a:tcPr>
-                </a:tc>
-                <a:tc hMerge="1">
-                  <a:txBody>
-                    <a:bodyPr/>
-                    <a:lstStyle/>
-                    <a:p>
-                      <a:endParaRPr lang="fr-FR"/>
-                    </a:p>
-                  </a:txBody>
-                  <a:tcPr/>
-                </a:tc>
-                <a:tc hMerge="1">
-                  <a:txBody>
-                    <a:bodyPr/>
-                    <a:lstStyle/>
-                    <a:p>
-                      <a:endParaRPr lang="fr-FR"/>
-                    </a:p>
-                  </a:txBody>
-                  <a:tcPr/>
-                </a:tc>
                 <a:tc gridSpan="2">
-                  <a:txBody>
-                    <a:bodyPr/>
-                    <a:lstStyle/>
-                    <a:p>
-                      <a:endParaRPr lang="fr-FR" sz="1100" dirty="0"/>
-                    </a:p>
-                  </a:txBody>
-                  <a:tcPr marL="44450" marR="44450" marT="0" marB="0" anchor="ctr">
-                    <a:lnL>
-                      <a:noFill/>
-                    </a:lnL>
-                    <a:lnR w="12700" cap="flat" cmpd="sng" algn="ctr">
-                      <a:solidFill>
-                        <a:srgbClr val="AEAAAA"/>
-                      </a:solidFill>
-                      <a:prstDash val="solid"/>
-                      <a:round/>
-                      <a:headEnd type="none" w="med" len="med"/>
-                      <a:tailEnd type="none" w="med" len="med"/>
-                    </a:lnR>
-                    <a:lnT w="12700" cap="flat" cmpd="sng" algn="ctr">
-                      <a:solidFill>
-                        <a:srgbClr val="FFFFFF"/>
-                      </a:solidFill>
-                      <a:prstDash val="solid"/>
-                      <a:round/>
-                      <a:headEnd type="none" w="med" len="med"/>
-                      <a:tailEnd type="none" w="med" len="med"/>
-                    </a:lnT>
-                    <a:lnB w="12700" cap="flat" cmpd="sng" algn="ctr">
-                      <a:solidFill>
-                        <a:srgbClr val="FFFFFF"/>
-                      </a:solidFill>
-                      <a:prstDash val="solid"/>
-                      <a:round/>
-                      <a:headEnd type="none" w="med" len="med"/>
-                      <a:tailEnd type="none" w="med" len="med"/>
-                    </a:lnB>
-                    <a:solidFill>
-                      <a:srgbClr val="FFFFFF"/>
-                    </a:solidFill>
-                  </a:tcPr>
-                </a:tc>
-                <a:tc hMerge="1">
-                  <a:txBody>
-                    <a:bodyPr/>
-                    <a:lstStyle/>
-                    <a:p>
-                      <a:endParaRPr lang="fr-FR"/>
-                    </a:p>
-                  </a:txBody>
-                  <a:tcPr/>
-                </a:tc>
-                <a:tc rowSpan="4">
-                  <a:txBody>
-                    <a:bodyPr/>
-                    <a:lstStyle/>
-                    <a:p>
-                      <a:pPr algn="ctr"/>
-                      <a:endParaRPr lang="fr-FR" sz="1100" dirty="0" err="1">
-                        <a:effectLst/>
-                        <a:latin typeface="Poppins"/>
-                        <a:ea typeface="Times New Roman" panose="02020603050405020304" pitchFamily="18" charset="0"/>
-                        <a:cs typeface="Times New Roman"/>
-                      </a:endParaRPr>
-                    </a:p>
-                  </a:txBody>
-                  <a:tcPr marL="44450" marR="44450" marT="0" marB="0" anchor="ctr">
-                    <a:lnL w="12700" cap="flat" cmpd="sng" algn="ctr">
-                      <a:solidFill>
-                        <a:srgbClr val="AEAAAA"/>
-                      </a:solidFill>
-                      <a:prstDash val="solid"/>
-                      <a:round/>
-                      <a:headEnd type="none" w="med" len="med"/>
-                      <a:tailEnd type="none" w="med" len="med"/>
-                    </a:lnL>
-                    <a:lnR w="12700" cap="flat" cmpd="sng" algn="ctr">
-                      <a:solidFill>
-                        <a:srgbClr val="AEAAAA"/>
-                      </a:solidFill>
-                      <a:prstDash val="solid"/>
-                      <a:round/>
-                      <a:headEnd type="none" w="med" len="med"/>
-                      <a:tailEnd type="none" w="med" len="med"/>
-                    </a:lnR>
-                    <a:lnT>
-                      <a:noFill/>
-                    </a:lnT>
-                    <a:lnB w="12700" cap="flat" cmpd="sng" algn="ctr">
-                      <a:solidFill>
-                        <a:srgbClr val="AEAAAA"/>
-                      </a:solidFill>
-                      <a:prstDash val="solid"/>
-                      <a:round/>
-                      <a:headEnd type="none" w="med" len="med"/>
-                      <a:tailEnd type="none" w="med" len="med"/>
-                    </a:lnB>
-                    <a:solidFill>
-                      <a:srgbClr val="DF3D03"/>
-                    </a:solidFill>
-                  </a:tcPr>
-                </a:tc>
-                <a:extLst>
-                  <a:ext uri="{0D108BD9-81ED-4DB2-BD59-A6C34878D82A}">
-                    <a16:rowId xmlns:a16="http://schemas.microsoft.com/office/drawing/2014/main" val="1065214701"/>
-                  </a:ext>
-                </a:extLst>
-              </a:tr>
-              <a:tr h="274320">
-                <a:tc vMerge="1">
-                  <a:txBody>
-                    <a:bodyPr/>
-                    <a:lstStyle/>
-                    <a:p>
-                      <a:endParaRPr lang="fr-FR"/>
-                    </a:p>
-                  </a:txBody>
-                  <a:tcPr/>
-                </a:tc>
-                <a:tc>
-                  <a:txBody>
-                    <a:bodyPr/>
-                    <a:lstStyle/>
-                    <a:p>
-                      <a:pPr algn="l"/>
-                      <a:r>
-                        <a:rPr lang="fr-FR" sz="1100" dirty="0">
-                          <a:solidFill>
-                            <a:srgbClr val="000000"/>
-                          </a:solidFill>
-                          <a:effectLst/>
-                          <a:latin typeface="Poppins"/>
-                          <a:ea typeface="Times New Roman" panose="02020603050405020304" pitchFamily="18" charset="0"/>
-                          <a:cs typeface="Poppins"/>
-                        </a:rPr>
-                        <a:t>Complexité</a:t>
-                      </a:r>
-                      <a:endParaRPr lang="fr-FR" sz="1100" dirty="0">
-                        <a:effectLst/>
-                        <a:latin typeface="Poppins"/>
-                        <a:ea typeface="Times New Roman" panose="02020603050405020304" pitchFamily="18" charset="0"/>
-                        <a:cs typeface="Poppins"/>
-                      </a:endParaRPr>
-                    </a:p>
-                  </a:txBody>
-                  <a:tcPr marL="44450" marR="44450" marT="0" marB="0" anchor="ctr">
-                    <a:lnL w="12700" cap="flat" cmpd="sng" algn="ctr">
-                      <a:solidFill>
-                        <a:srgbClr val="FFFFFF"/>
-                      </a:solidFill>
-                      <a:prstDash val="solid"/>
-                      <a:round/>
-                      <a:headEnd type="none" w="med" len="med"/>
-                      <a:tailEnd type="none" w="med" len="med"/>
-                    </a:lnL>
-                    <a:lnR>
-                      <a:noFill/>
-                    </a:lnR>
-                    <a:lnT w="12700" cap="flat" cmpd="sng" algn="ctr">
-                      <a:solidFill>
-                        <a:srgbClr val="FFFFFF"/>
-                      </a:solidFill>
-                      <a:prstDash val="solid"/>
-                      <a:round/>
-                      <a:headEnd type="none" w="med" len="med"/>
-                      <a:tailEnd type="none" w="med" len="med"/>
-                    </a:lnT>
-                    <a:lnB w="12700" cap="flat" cmpd="sng" algn="ctr">
-                      <a:solidFill>
-                        <a:srgbClr val="FFFFFF"/>
-                      </a:solidFill>
-                      <a:prstDash val="solid"/>
-                      <a:round/>
-                      <a:headEnd type="none" w="med" len="med"/>
-                      <a:tailEnd type="none" w="med" len="med"/>
-                    </a:lnB>
-                    <a:solidFill>
-                      <a:srgbClr val="F2F2F2"/>
-                    </a:solidFill>
-                  </a:tcPr>
-                </a:tc>
-                <a:tc>
-                  <a:txBody>
-                    <a:bodyPr/>
-                    <a:lstStyle/>
-                    <a:p>
-                      <a:pPr algn="l"/>
-                      <a:endParaRPr lang="fr-FR" sz="1100" dirty="0">
-                        <a:effectLst/>
-                        <a:latin typeface="Poppins"/>
-                        <a:ea typeface="Times New Roman" panose="02020603050405020304" pitchFamily="18" charset="0"/>
-                        <a:cs typeface="Poppins"/>
-                      </a:endParaRPr>
-                    </a:p>
-                  </a:txBody>
-                  <a:tcPr marL="44450" marR="44450" marT="0" marB="0" anchor="ctr">
-                    <a:lnL>
-                      <a:noFill/>
-                    </a:lnL>
-                    <a:lnR>
-                      <a:noFill/>
-                    </a:lnR>
-                    <a:lnT w="12700" cap="flat" cmpd="sng" algn="ctr">
-                      <a:solidFill>
-                        <a:srgbClr val="FFFFFF"/>
-                      </a:solidFill>
-                      <a:prstDash val="solid"/>
-                      <a:round/>
-                      <a:headEnd type="none" w="med" len="med"/>
-                      <a:tailEnd type="none" w="med" len="med"/>
-                    </a:lnT>
-                    <a:lnB w="12700" cap="flat" cmpd="sng" algn="ctr">
-                      <a:solidFill>
-                        <a:srgbClr val="FFFFFF"/>
-                      </a:solidFill>
-                      <a:prstDash val="solid"/>
-                      <a:round/>
-                      <a:headEnd type="none" w="med" len="med"/>
-                      <a:tailEnd type="none" w="med" len="med"/>
-                    </a:lnB>
-                    <a:solidFill>
-                      <a:srgbClr val="FFFFFF"/>
-                    </a:solidFill>
-                  </a:tcPr>
-                </a:tc>
-                <a:tc gridSpan="3">
                   <a:txBody>
                     <a:bodyPr/>
                     <a:lstStyle/>
@@ -15724,7 +15818,7 @@
                         </a:rPr>
                         <a:t>Confidentialité</a:t>
                       </a:r>
-                      <a:endParaRPr lang="fr-FR" sz="1100" dirty="0">
+                      <a:endParaRPr lang="fr-FR" sz="1100">
                         <a:effectLst/>
                         <a:latin typeface="Poppins"/>
                         <a:ea typeface="Times New Roman" panose="02020603050405020304" pitchFamily="18" charset="0"/>
@@ -15770,26 +15864,24 @@
                       <a:endParaRPr lang="fr-FR"/>
                     </a:p>
                   </a:txBody>
-                  <a:tcPr/>
-                </a:tc>
-                <a:tc hMerge="1">
-                  <a:txBody>
-                    <a:bodyPr/>
-                    <a:lstStyle/>
-                    <a:p>
-                      <a:endParaRPr lang="fr-FR"/>
-                    </a:p>
-                  </a:txBody>
-                  <a:tcPr/>
+                  <a:tcPr>
+                    <a:lnL w="12700" cmpd="sng">
+                      <a:noFill/>
+                      <a:prstDash val="solid"/>
+                    </a:lnL>
+                  </a:tcPr>
                 </a:tc>
                 <a:tc gridSpan="2">
                   <a:txBody>
                     <a:bodyPr/>
                     <a:lstStyle/>
                     <a:p>
+                      <a:pPr algn="l"/>
                       <a:endParaRPr lang="fr-FR" sz="1100" dirty="0">
-                        <a:latin typeface="Poppins"/>
-                        <a:cs typeface="Poppins"/>
+                        <a:effectLst/>
+                        <a:latin typeface="Poppins" panose="00000500000000000000" pitchFamily="2" charset="0"/>
+                        <a:ea typeface="Times New Roman" panose="02020603050405020304" pitchFamily="18" charset="0"/>
+                        <a:cs typeface="Poppins" panose="00000500000000000000" pitchFamily="2" charset="0"/>
                       </a:endParaRPr>
                     </a:p>
                   </a:txBody>
@@ -15799,7 +15891,7 @@
                     </a:lnL>
                     <a:lnR w="12700" cap="flat" cmpd="sng" algn="ctr">
                       <a:solidFill>
-                        <a:srgbClr val="AEAAAA"/>
+                        <a:schemeClr val="bg1"/>
                       </a:solidFill>
                       <a:prstDash val="solid"/>
                       <a:round/>
@@ -15855,7 +15947,7 @@
                   </a:ext>
                 </a:extLst>
               </a:tr>
-              <a:tr h="274320">
+              <a:tr h="273600">
                 <a:tc vMerge="1">
                   <a:txBody>
                     <a:bodyPr/>
@@ -15873,7 +15965,7 @@
                     <a:p>
                       <a:pPr algn="l"/>
                       <a:r>
-                        <a:rPr lang="fr-FR" sz="1100" dirty="0">
+                        <a:rPr lang="fr-FR" sz="1100">
                           <a:solidFill>
                             <a:srgbClr val="000000"/>
                           </a:solidFill>
@@ -15884,7 +15976,7 @@
                         </a:rPr>
                         <a:t>Privilèges nécessaires</a:t>
                       </a:r>
-                      <a:endParaRPr lang="fr-FR" sz="1100" dirty="0">
+                      <a:endParaRPr lang="fr-FR" sz="1100">
                         <a:effectLst/>
                         <a:latin typeface="Poppins" panose="00000500000000000000" pitchFamily="2" charset="0"/>
                         <a:ea typeface="Times New Roman" panose="02020603050405020304" pitchFamily="18" charset="0"/>
@@ -15895,7 +15987,7 @@
                   <a:tcPr marL="44450" marR="44450" marT="0" marB="0" anchor="ctr">
                     <a:lnL w="12700" cap="flat" cmpd="sng" algn="ctr">
                       <a:solidFill>
-                        <a:srgbClr val="FFFFFF"/>
+                        <a:schemeClr val="bg1"/>
                       </a:solidFill>
                       <a:prstDash val="solid"/>
                       <a:round/>
@@ -15936,9 +16028,9 @@
                       <a:pPr algn="l"/>
                       <a:endParaRPr lang="fr-FR" sz="1100" dirty="0">
                         <a:effectLst/>
-                        <a:latin typeface="Poppins"/>
+                        <a:latin typeface="Poppins" panose="00000500000000000000" pitchFamily="2" charset="0"/>
                         <a:ea typeface="Times New Roman" panose="02020603050405020304" pitchFamily="18" charset="0"/>
-                        <a:cs typeface="Poppins"/>
+                        <a:cs typeface="Poppins" panose="00000500000000000000" pitchFamily="2" charset="0"/>
                       </a:endParaRPr>
                     </a:p>
                   </a:txBody>
@@ -15978,14 +16070,14 @@
                     </a:solidFill>
                   </a:tcPr>
                 </a:tc>
-                <a:tc gridSpan="3">
+                <a:tc gridSpan="2">
                   <a:txBody>
                     <a:bodyPr/>
                     <a:lstStyle/>
                     <a:p>
                       <a:pPr algn="l"/>
                       <a:r>
-                        <a:rPr lang="fr-FR" sz="1100" dirty="0">
+                        <a:rPr lang="fr-FR" sz="1100">
                           <a:solidFill>
                             <a:srgbClr val="000000"/>
                           </a:solidFill>
@@ -15996,7 +16088,7 @@
                         </a:rPr>
                         <a:t>Intégrité</a:t>
                       </a:r>
-                      <a:endParaRPr lang="fr-FR" sz="1100" dirty="0">
+                      <a:endParaRPr lang="fr-FR" sz="1100">
                         <a:effectLst/>
                         <a:latin typeface="Poppins"/>
                         <a:ea typeface="Times New Roman" panose="02020603050405020304" pitchFamily="18" charset="0"/>
@@ -16048,26 +16140,24 @@
                       <a:endParaRPr lang="fr-FR"/>
                     </a:p>
                   </a:txBody>
-                  <a:tcPr/>
-                </a:tc>
-                <a:tc hMerge="1">
-                  <a:txBody>
-                    <a:bodyPr/>
-                    <a:lstStyle/>
-                    <a:p>
-                      <a:endParaRPr lang="fr-FR"/>
-                    </a:p>
-                  </a:txBody>
-                  <a:tcPr/>
+                  <a:tcPr>
+                    <a:lnL w="12700" cmpd="sng">
+                      <a:noFill/>
+                      <a:prstDash val="solid"/>
+                    </a:lnL>
+                  </a:tcPr>
                 </a:tc>
                 <a:tc gridSpan="2">
                   <a:txBody>
                     <a:bodyPr/>
                     <a:lstStyle/>
                     <a:p>
+                      <a:pPr algn="l"/>
                       <a:endParaRPr lang="fr-FR" sz="1100" dirty="0">
-                        <a:latin typeface="Poppins"/>
-                        <a:cs typeface="Poppins"/>
+                        <a:effectLst/>
+                        <a:latin typeface="Poppins" panose="00000500000000000000" pitchFamily="2" charset="0"/>
+                        <a:ea typeface="Times New Roman" panose="02020603050405020304" pitchFamily="18" charset="0"/>
+                        <a:cs typeface="Poppins" panose="00000500000000000000" pitchFamily="2" charset="0"/>
                       </a:endParaRPr>
                     </a:p>
                   </a:txBody>
@@ -16133,7 +16223,7 @@
                   </a:ext>
                 </a:extLst>
               </a:tr>
-              <a:tr h="264096">
+              <a:tr h="273600">
                 <a:tc vMerge="1">
                   <a:txBody>
                     <a:bodyPr/>
@@ -16173,7 +16263,7 @@
                   <a:tcPr marL="44450" marR="44450" marT="0" marB="0" anchor="ctr">
                     <a:lnL w="12700" cap="flat" cmpd="sng" algn="ctr">
                       <a:solidFill>
-                        <a:srgbClr val="FFFFFF"/>
+                        <a:schemeClr val="bg1"/>
                       </a:solidFill>
                       <a:prstDash val="solid"/>
                       <a:round/>
@@ -16250,14 +16340,14 @@
                     </a:solidFill>
                   </a:tcPr>
                 </a:tc>
-                <a:tc gridSpan="3">
+                <a:tc gridSpan="2">
                   <a:txBody>
                     <a:bodyPr/>
                     <a:lstStyle/>
                     <a:p>
                       <a:pPr algn="l"/>
                       <a:r>
-                        <a:rPr lang="fr-FR" sz="1100" dirty="0">
+                        <a:rPr lang="fr-FR" sz="1100">
                           <a:solidFill>
                             <a:srgbClr val="000000"/>
                           </a:solidFill>
@@ -16268,7 +16358,7 @@
                         </a:rPr>
                         <a:t>Disponibilité</a:t>
                       </a:r>
-                      <a:endParaRPr lang="fr-FR" sz="1100" dirty="0">
+                      <a:endParaRPr lang="fr-FR" sz="1100">
                         <a:effectLst/>
                         <a:latin typeface="Poppins" panose="00000500000000000000" pitchFamily="2" charset="0"/>
                         <a:ea typeface="Times New Roman" panose="02020603050405020304" pitchFamily="18" charset="0"/>
@@ -16314,24 +16404,25 @@
                       <a:endParaRPr lang="fr-FR"/>
                     </a:p>
                   </a:txBody>
-                  <a:tcPr/>
-                </a:tc>
-                <a:tc hMerge="1">
-                  <a:txBody>
-                    <a:bodyPr/>
-                    <a:lstStyle/>
-                    <a:p>
-                      <a:endParaRPr lang="fr-FR"/>
-                    </a:p>
-                  </a:txBody>
-                  <a:tcPr/>
+                  <a:tcPr>
+                    <a:lnL w="12700" cmpd="sng">
+                      <a:noFill/>
+                      <a:prstDash val="solid"/>
+                    </a:lnL>
+                  </a:tcPr>
                 </a:tc>
                 <a:tc gridSpan="2">
                   <a:txBody>
                     <a:bodyPr/>
                     <a:lstStyle/>
                     <a:p>
-                      <a:endParaRPr lang="fr-FR" sz="1100" dirty="0"/>
+                      <a:pPr algn="l"/>
+                      <a:endParaRPr lang="fr-FR" sz="1100" dirty="0">
+                        <a:effectLst/>
+                        <a:latin typeface="Poppins" panose="00000500000000000000" pitchFamily="2" charset="0"/>
+                        <a:ea typeface="Times New Roman" panose="02020603050405020304" pitchFamily="18" charset="0"/>
+                        <a:cs typeface="Poppins" panose="00000500000000000000" pitchFamily="2" charset="0"/>
+                      </a:endParaRPr>
                     </a:p>
                   </a:txBody>
                   <a:tcPr marL="44450" marR="44450" marT="0" marB="0" anchor="ctr">
@@ -16340,7 +16431,7 @@
                     </a:lnL>
                     <a:lnR w="12700" cap="flat" cmpd="sng" algn="ctr">
                       <a:solidFill>
-                        <a:srgbClr val="AEAAAA"/>
+                        <a:schemeClr val="bg1"/>
                       </a:solidFill>
                       <a:prstDash val="solid"/>
                       <a:round/>
@@ -16396,7 +16487,7 @@
                   </a:ext>
                 </a:extLst>
               </a:tr>
-              <a:tr h="182880">
+              <a:tr h="586800">
                 <a:tc>
                   <a:txBody>
                     <a:bodyPr/>
@@ -16415,7 +16506,7 @@
                         </a:rPr>
                         <a:t>Composant(s) concerné(s)</a:t>
                       </a:r>
-                      <a:endParaRPr lang="fr-FR" sz="1100" dirty="0">
+                      <a:endParaRPr lang="fr-FR" sz="1100">
                         <a:effectLst/>
                         <a:latin typeface="Poppins"/>
                         <a:ea typeface="Times New Roman" panose="02020603050405020304" pitchFamily="18" charset="0"/>
@@ -16435,7 +16526,7 @@
                     </a:lnL>
                     <a:lnR w="12700" cap="flat" cmpd="sng" algn="ctr">
                       <a:solidFill>
-                        <a:srgbClr val="FFFFFF"/>
+                        <a:schemeClr val="bg1"/>
                       </a:solidFill>
                       <a:prstDash val="solid"/>
                       <a:round/>
@@ -16465,7 +16556,7 @@
                     </a:solidFill>
                   </a:tcPr>
                 </a:tc>
-                <a:tc gridSpan="8">
+                <a:tc gridSpan="7">
                   <a:txBody>
                     <a:bodyPr/>
                     <a:lstStyle/>
@@ -16482,7 +16573,7 @@
                   <a:tcPr marL="44450" marR="44450" marT="0" marB="0" anchor="ctr">
                     <a:lnL w="12700" cap="flat" cmpd="sng" algn="ctr">
                       <a:solidFill>
-                        <a:srgbClr val="FFFFFF"/>
+                        <a:schemeClr val="bg1"/>
                       </a:solidFill>
                       <a:prstDash val="solid"/>
                       <a:round/>
@@ -16507,8 +16598,14 @@
                       <a:headEnd type="none" w="med" len="med"/>
                       <a:tailEnd type="none" w="med" len="med"/>
                     </a:lnT>
-                    <a:lnB>
-                      <a:noFill/>
+                    <a:lnB w="12700" cap="flat" cmpd="sng" algn="ctr">
+                      <a:solidFill>
+                        <a:srgbClr val="A6A6A6"/>
+                      </a:solidFill>
+                      <a:prstDash val="solid"/>
+                      <a:round/>
+                      <a:headEnd type="none" w="med" len="med"/>
+                      <a:tailEnd type="none" w="med" len="med"/>
                     </a:lnB>
                     <a:solidFill>
                       <a:srgbClr val="FFFFFF"/>
@@ -16543,17 +16640,17 @@
                       <a:endParaRPr lang="fr-FR"/>
                     </a:p>
                   </a:txBody>
-                  <a:tcPr/>
-                </a:tc>
-                <a:tc hMerge="1">
-                  <a:txBody>
-                    <a:bodyPr/>
-                    <a:lstStyle/>
-                    <a:p>
-                      <a:endParaRPr lang="fr-FR"/>
-                    </a:p>
-                  </a:txBody>
-                  <a:tcPr/>
+                  <a:tcPr>
+                    <a:lnL w="12700" cap="flat" cmpd="sng" algn="ctr">
+                      <a:solidFill>
+                        <a:srgbClr val="AEAAAA"/>
+                      </a:solidFill>
+                      <a:prstDash val="solid"/>
+                      <a:round/>
+                      <a:headEnd type="none" w="med" len="med"/>
+                      <a:tailEnd type="none" w="med" len="med"/>
+                    </a:lnL>
+                  </a:tcPr>
                 </a:tc>
                 <a:tc hMerge="1">
                   <a:txBody>
@@ -16610,7 +16707,7 @@
                   </a:ext>
                 </a:extLst>
               </a:tr>
-              <a:tr h="786827">
+              <a:tr h="585442">
                 <a:tc>
                   <a:txBody>
                     <a:bodyPr/>
@@ -16629,7 +16726,7 @@
                         </a:rPr>
                         <a:t>Vulnérabilité</a:t>
                       </a:r>
-                      <a:endParaRPr lang="fr-FR" sz="1100" dirty="0">
+                      <a:endParaRPr lang="fr-FR" sz="1100">
                         <a:effectLst/>
                         <a:latin typeface="Poppins"/>
                         <a:ea typeface="Times New Roman" panose="02020603050405020304" pitchFamily="18" charset="0"/>
@@ -16649,7 +16746,7 @@
                     </a:lnL>
                     <a:lnR w="12700" cap="flat" cmpd="sng" algn="ctr">
                       <a:solidFill>
-                        <a:srgbClr val="FFFFFF"/>
+                        <a:schemeClr val="bg1"/>
                       </a:solidFill>
                       <a:prstDash val="solid"/>
                       <a:round/>
@@ -16679,7 +16776,7 @@
                     </a:solidFill>
                   </a:tcPr>
                 </a:tc>
-                <a:tc gridSpan="8">
+                <a:tc gridSpan="7">
                   <a:txBody>
                     <a:bodyPr/>
                     <a:lstStyle/>
@@ -16696,7 +16793,7 @@
                   <a:tcPr marL="44450" marR="44450" marT="0" marB="0" anchor="ctr">
                     <a:lnL w="12700" cap="flat" cmpd="sng" algn="ctr">
                       <a:solidFill>
-                        <a:srgbClr val="FFFFFF"/>
+                        <a:schemeClr val="bg1"/>
                       </a:solidFill>
                       <a:prstDash val="solid"/>
                       <a:round/>
@@ -16712,11 +16809,23 @@
                       <a:headEnd type="none" w="med" len="med"/>
                       <a:tailEnd type="none" w="med" len="med"/>
                     </a:lnR>
-                    <a:lnT>
-                      <a:noFill/>
+                    <a:lnT w="12700" cap="flat" cmpd="sng" algn="ctr">
+                      <a:solidFill>
+                        <a:srgbClr val="A6A6A6"/>
+                      </a:solidFill>
+                      <a:prstDash val="solid"/>
+                      <a:round/>
+                      <a:headEnd type="none" w="med" len="med"/>
+                      <a:tailEnd type="none" w="med" len="med"/>
                     </a:lnT>
-                    <a:lnB>
-                      <a:noFill/>
+                    <a:lnB w="12700" cap="flat" cmpd="sng" algn="ctr">
+                      <a:solidFill>
+                        <a:srgbClr val="A6A6A6"/>
+                      </a:solidFill>
+                      <a:prstDash val="solid"/>
+                      <a:round/>
+                      <a:headEnd type="none" w="med" len="med"/>
+                      <a:tailEnd type="none" w="med" len="med"/>
                     </a:lnB>
                     <a:solidFill>
                       <a:srgbClr val="F2F2F2"/>
@@ -16751,17 +16860,17 @@
                       <a:endParaRPr lang="fr-FR"/>
                     </a:p>
                   </a:txBody>
-                  <a:tcPr/>
-                </a:tc>
-                <a:tc hMerge="1">
-                  <a:txBody>
-                    <a:bodyPr/>
-                    <a:lstStyle/>
-                    <a:p>
-                      <a:endParaRPr lang="fr-FR"/>
-                    </a:p>
-                  </a:txBody>
-                  <a:tcPr/>
+                  <a:tcPr>
+                    <a:lnL w="12700" cap="flat" cmpd="sng" algn="ctr">
+                      <a:solidFill>
+                        <a:srgbClr val="AEAAAA"/>
+                      </a:solidFill>
+                      <a:prstDash val="solid"/>
+                      <a:round/>
+                      <a:headEnd type="none" w="med" len="med"/>
+                      <a:tailEnd type="none" w="med" len="med"/>
+                    </a:lnL>
+                  </a:tcPr>
                 </a:tc>
                 <a:tc hMerge="1">
                   <a:txBody>
@@ -16809,7 +16918,7 @@
                   </a:ext>
                 </a:extLst>
               </a:tr>
-              <a:tr h="182880">
+              <a:tr h="216000">
                 <a:tc rowSpan="2">
                   <a:txBody>
                     <a:bodyPr/>
@@ -16828,7 +16937,7 @@
                         </a:rPr>
                         <a:t>Recommandation</a:t>
                       </a:r>
-                      <a:endParaRPr lang="fr-FR" sz="1100" dirty="0">
+                      <a:endParaRPr lang="fr-FR" sz="1100">
                         <a:effectLst/>
                         <a:latin typeface="Poppins"/>
                         <a:ea typeface="Times New Roman" panose="02020603050405020304" pitchFamily="18" charset="0"/>
@@ -16848,7 +16957,7 @@
                     </a:lnL>
                     <a:lnR w="12700" cap="flat" cmpd="sng" algn="ctr">
                       <a:solidFill>
-                        <a:srgbClr val="FFFFFF"/>
+                        <a:schemeClr val="bg1"/>
                       </a:solidFill>
                       <a:prstDash val="solid"/>
                       <a:round/>
@@ -16878,13 +16987,16 @@
                     </a:solidFill>
                   </a:tcPr>
                 </a:tc>
-                <a:tc rowSpan="2" gridSpan="4">
+                <a:tc rowSpan="2" gridSpan="3">
                   <a:txBody>
                     <a:bodyPr/>
                     <a:lstStyle/>
                     <a:p>
                       <a:pPr algn="l"/>
                       <a:endParaRPr lang="fr-FR" sz="1100" dirty="0">
+                        <a:solidFill>
+                          <a:srgbClr val="000000"/>
+                        </a:solidFill>
                         <a:effectLst/>
                         <a:latin typeface="Poppins" panose="00000500000000000000" pitchFamily="2" charset="0"/>
                         <a:ea typeface="Times New Roman" panose="02020603050405020304" pitchFamily="18" charset="0"/>
@@ -16895,7 +17007,7 @@
                   <a:tcPr marL="44450" marR="44450" marT="0" marB="0" anchor="ctr">
                     <a:lnL w="12700" cap="flat" cmpd="sng" algn="ctr">
                       <a:solidFill>
-                        <a:srgbClr val="FFFFFF"/>
+                        <a:schemeClr val="bg1"/>
                       </a:solidFill>
                       <a:prstDash val="solid"/>
                       <a:round/>
@@ -16904,19 +17016,34 @@
                     </a:lnL>
                     <a:lnR w="12700" cap="flat" cmpd="sng" algn="ctr">
                       <a:solidFill>
-                        <a:srgbClr val="FFFFFF"/>
+                        <a:srgbClr val="A6A6A6"/>
                       </a:solidFill>
                       <a:prstDash val="solid"/>
                       <a:round/>
                       <a:headEnd type="none" w="med" len="med"/>
                       <a:tailEnd type="none" w="med" len="med"/>
                     </a:lnR>
-                    <a:lnT>
-                      <a:noFill/>
+                    <a:lnT w="12700" cap="flat" cmpd="sng" algn="ctr">
+                      <a:solidFill>
+                        <a:srgbClr val="A6A6A6"/>
+                      </a:solidFill>
+                      <a:prstDash val="solid"/>
+                      <a:round/>
+                      <a:headEnd type="none" w="med" len="med"/>
+                      <a:tailEnd type="none" w="med" len="med"/>
                     </a:lnT>
-                    <a:lnB>
-                      <a:noFill/>
+                    <a:lnB w="12700" cap="flat" cmpd="sng" algn="ctr">
+                      <a:solidFill>
+                        <a:srgbClr val="A6A6A6"/>
+                      </a:solidFill>
+                      <a:prstDash val="solid"/>
+                      <a:round/>
+                      <a:headEnd type="none" w="med" len="med"/>
+                      <a:tailEnd type="none" w="med" len="med"/>
                     </a:lnB>
+                    <a:solidFill>
+                      <a:schemeClr val="bg1"/>
+                    </a:solidFill>
                   </a:tcPr>
                 </a:tc>
                 <a:tc rowSpan="2" hMerge="1">
@@ -16939,68 +17066,6 @@
                   </a:txBody>
                   <a:tcPr/>
                 </a:tc>
-                <a:tc rowSpan="2" hMerge="1">
-                  <a:txBody>
-                    <a:bodyPr/>
-                    <a:lstStyle/>
-                    <a:p>
-                      <a:pPr algn="ctr"/>
-                      <a:r>
-                        <a:rPr lang="fr-FR" sz="1100" b="1" dirty="0">
-                          <a:solidFill>
-                            <a:srgbClr val="FFFFFF"/>
-                          </a:solidFill>
-                          <a:effectLst/>
-                          <a:latin typeface="Poppins" panose="00000500000000000000" pitchFamily="2" charset="0"/>
-                          <a:ea typeface="Times New Roman" panose="02020603050405020304" pitchFamily="18" charset="0"/>
-                          <a:cs typeface="Poppins" panose="00000500000000000000" pitchFamily="2" charset="0"/>
-                        </a:rPr>
-                        <a:t>Coût</a:t>
-                      </a:r>
-                      <a:endParaRPr lang="fr-FR" sz="1100" dirty="0">
-                        <a:effectLst/>
-                        <a:latin typeface="Poppins" panose="00000500000000000000" pitchFamily="2" charset="0"/>
-                        <a:ea typeface="Times New Roman" panose="02020603050405020304" pitchFamily="18" charset="0"/>
-                        <a:cs typeface="Poppins" panose="00000500000000000000" pitchFamily="2" charset="0"/>
-                      </a:endParaRPr>
-                    </a:p>
-                  </a:txBody>
-                  <a:tcPr marL="44450" marR="44450" marT="0" marB="0" anchor="ctr">
-                    <a:lnL w="12700" cap="flat" cmpd="sng" algn="ctr">
-                      <a:solidFill>
-                        <a:srgbClr val="FFFFFF"/>
-                      </a:solidFill>
-                      <a:prstDash val="solid"/>
-                      <a:round/>
-                      <a:headEnd type="none" w="med" len="med"/>
-                      <a:tailEnd type="none" w="med" len="med"/>
-                    </a:lnL>
-                    <a:lnR w="12700" cap="flat" cmpd="sng" algn="ctr">
-                      <a:solidFill>
-                        <a:srgbClr val="FFFFFF"/>
-                      </a:solidFill>
-                      <a:prstDash val="solid"/>
-                      <a:round/>
-                      <a:headEnd type="none" w="med" len="med"/>
-                      <a:tailEnd type="none" w="med" len="med"/>
-                    </a:lnR>
-                    <a:lnT>
-                      <a:noFill/>
-                    </a:lnT>
-                    <a:lnB w="12700" cap="flat" cmpd="sng" algn="ctr">
-                      <a:solidFill>
-                        <a:srgbClr val="FFFFFF"/>
-                      </a:solidFill>
-                      <a:prstDash val="solid"/>
-                      <a:round/>
-                      <a:headEnd type="none" w="med" len="med"/>
-                      <a:tailEnd type="none" w="med" len="med"/>
-                    </a:lnB>
-                    <a:solidFill>
-                      <a:srgbClr val="262626"/>
-                    </a:solidFill>
-                  </a:tcPr>
-                </a:tc>
                 <a:tc gridSpan="2">
                   <a:txBody>
                     <a:bodyPr/>
@@ -17019,7 +17084,7 @@
                         </a:rPr>
                         <a:t>Coût</a:t>
                       </a:r>
-                      <a:endParaRPr lang="fr-FR" sz="1100" dirty="0">
+                      <a:endParaRPr lang="fr-FR" sz="1100">
                         <a:effectLst/>
                         <a:latin typeface="Poppins"/>
                         <a:ea typeface="Times New Roman" panose="02020603050405020304" pitchFamily="18" charset="0"/>
@@ -17030,7 +17095,7 @@
                   <a:tcPr marL="44450" marR="44450" marT="0" marB="0" anchor="ctr">
                     <a:lnL w="12700" cap="flat" cmpd="sng" algn="ctr">
                       <a:solidFill>
-                        <a:srgbClr val="FFFFFF"/>
+                        <a:srgbClr val="A6A6A6"/>
                       </a:solidFill>
                       <a:prstDash val="solid"/>
                       <a:round/>
@@ -17046,9 +17111,6 @@
                       <a:headEnd type="none" w="med" len="med"/>
                       <a:tailEnd type="none" w="med" len="med"/>
                     </a:lnR>
-                    <a:lnT>
-                      <a:noFill/>
-                    </a:lnT>
                     <a:lnB w="12700" cap="flat" cmpd="sng" algn="ctr">
                       <a:solidFill>
                         <a:srgbClr val="FFFFFF"/>
@@ -17069,7 +17131,7 @@
                     <a:lstStyle/>
                     <a:p>
                       <a:pPr algn="ctr"/>
-                      <a:endParaRPr lang="fr-FR" sz="1100" dirty="0">
+                      <a:endParaRPr lang="fr-FR" sz="1100">
                         <a:effectLst/>
                         <a:latin typeface="Poppins" panose="00000500000000000000" pitchFamily="2" charset="0"/>
                         <a:ea typeface="Times New Roman" panose="02020603050405020304" pitchFamily="18" charset="0"/>
@@ -17120,7 +17182,7 @@
                     <a:p>
                       <a:pPr algn="ctr"/>
                       <a:r>
-                        <a:rPr lang="fr-FR" sz="1100" b="1" dirty="0">
+                        <a:rPr lang="fr-FR" sz="1100" b="1">
                           <a:solidFill>
                             <a:srgbClr val="FFFFFF"/>
                           </a:solidFill>
@@ -17131,7 +17193,7 @@
                         </a:rPr>
                         <a:t>Difficulté</a:t>
                       </a:r>
-                      <a:endParaRPr lang="fr-FR" sz="1100" dirty="0">
+                      <a:endParaRPr lang="fr-FR" sz="1100">
                         <a:effectLst/>
                         <a:latin typeface="Poppins" panose="00000500000000000000" pitchFamily="2" charset="0"/>
                         <a:ea typeface="Times New Roman" panose="02020603050405020304" pitchFamily="18" charset="0"/>
@@ -17193,7 +17255,7 @@
                         </a:rPr>
                         <a:t>Priorité</a:t>
                       </a:r>
-                      <a:endParaRPr lang="fr-FR" sz="1100" dirty="0">
+                      <a:endParaRPr lang="fr-FR" sz="1100">
                         <a:effectLst/>
                         <a:latin typeface="Poppins"/>
                         <a:ea typeface="Times New Roman" panose="02020603050405020304" pitchFamily="18" charset="0"/>
@@ -17240,7 +17302,7 @@
                   </a:ext>
                 </a:extLst>
               </a:tr>
-              <a:tr h="1807845">
+              <a:tr h="655321">
                 <a:tc vMerge="1">
                   <a:txBody>
                     <a:bodyPr/>
@@ -17251,7 +17313,7 @@
                   </a:txBody>
                   <a:tcPr/>
                 </a:tc>
-                <a:tc gridSpan="4" vMerge="1">
+                <a:tc gridSpan="3" vMerge="1">
                   <a:txBody>
                     <a:bodyPr/>
                     <a:lstStyle/>
@@ -17281,14 +17343,14 @@
                   </a:txBody>
                   <a:tcPr/>
                 </a:tc>
-                <a:tc hMerge="1" vMerge="1">
+                <a:tc gridSpan="2">
                   <a:txBody>
                     <a:bodyPr/>
                     <a:lstStyle/>
                     <a:p>
                       <a:pPr algn="ctr"/>
                       <a:r>
-                        <a:rPr lang="fr-FR" sz="1100" dirty="0">
+                        <a:rPr lang="fr-FR" sz="1100">
                           <a:effectLst/>
                           <a:latin typeface="Poppins" panose="00000500000000000000" pitchFamily="2" charset="0"/>
                           <a:ea typeface="Times New Roman" panose="02020603050405020304" pitchFamily="18" charset="0"/>
@@ -17299,11 +17361,23 @@
                     </a:p>
                   </a:txBody>
                   <a:tcPr marL="44450" marR="44450" marT="0" marB="0" anchor="ctr">
-                    <a:lnL>
-                      <a:noFill/>
+                    <a:lnL w="12700" cap="flat" cmpd="sng" algn="ctr">
+                      <a:solidFill>
+                        <a:srgbClr val="A6A6A6"/>
+                      </a:solidFill>
+                      <a:prstDash val="solid"/>
+                      <a:round/>
+                      <a:headEnd type="none" w="med" len="med"/>
+                      <a:tailEnd type="none" w="med" len="med"/>
                     </a:lnL>
-                    <a:lnR>
-                      <a:noFill/>
+                    <a:lnR w="12700" cap="flat" cmpd="sng" algn="ctr">
+                      <a:solidFill>
+                        <a:srgbClr val="A6A6A6"/>
+                      </a:solidFill>
+                      <a:prstDash val="solid"/>
+                      <a:round/>
+                      <a:headEnd type="none" w="med" len="med"/>
+                      <a:tailEnd type="none" w="med" len="med"/>
                     </a:lnR>
                     <a:lnT w="12700" cap="flat" cmpd="sng" algn="ctr">
                       <a:solidFill>
@@ -17314,46 +17388,14 @@
                       <a:headEnd type="none" w="med" len="med"/>
                       <a:tailEnd type="none" w="med" len="med"/>
                     </a:lnT>
-                    <a:lnB>
-                      <a:noFill/>
-                    </a:lnB>
-                  </a:tcPr>
-                </a:tc>
-                <a:tc gridSpan="2">
-                  <a:txBody>
-                    <a:bodyPr/>
-                    <a:lstStyle/>
-                    <a:p>
-                      <a:pPr algn="ctr"/>
-                      <a:r>
-                        <a:rPr lang="fr-FR" sz="1100" dirty="0">
-                          <a:effectLst/>
-                          <a:latin typeface="Poppins" panose="00000500000000000000" pitchFamily="2" charset="0"/>
-                          <a:ea typeface="Times New Roman" panose="02020603050405020304" pitchFamily="18" charset="0"/>
-                          <a:cs typeface="Poppins" panose="00000500000000000000" pitchFamily="2" charset="0"/>
-                        </a:rPr>
-                        <a:t>★</a:t>
-                      </a:r>
-                    </a:p>
-                  </a:txBody>
-                  <a:tcPr marL="44450" marR="44450" marT="0" marB="0" anchor="ctr">
-                    <a:lnL>
-                      <a:noFill/>
-                    </a:lnL>
-                    <a:lnR>
-                      <a:noFill/>
-                    </a:lnR>
-                    <a:lnT w="12700" cap="flat" cmpd="sng" algn="ctr">
+                    <a:lnB w="12700" cap="flat" cmpd="sng" algn="ctr">
                       <a:solidFill>
-                        <a:srgbClr val="FFFFFF"/>
+                        <a:srgbClr val="A6A6A6"/>
                       </a:solidFill>
                       <a:prstDash val="solid"/>
                       <a:round/>
                       <a:headEnd type="none" w="med" len="med"/>
                       <a:tailEnd type="none" w="med" len="med"/>
-                    </a:lnT>
-                    <a:lnB>
-                      <a:noFill/>
                     </a:lnB>
                   </a:tcPr>
                 </a:tc>
@@ -17363,7 +17405,7 @@
                     <a:lstStyle/>
                     <a:p>
                       <a:pPr algn="ctr"/>
-                      <a:endParaRPr lang="fr-FR" sz="1100" dirty="0">
+                      <a:endParaRPr lang="fr-FR" sz="1100">
                         <a:effectLst/>
                         <a:latin typeface="Poppins" panose="00000500000000000000" pitchFamily="2" charset="0"/>
                         <a:ea typeface="Times New Roman" panose="02020603050405020304" pitchFamily="18" charset="0"/>
@@ -17397,9 +17439,25 @@
                     <a:bodyPr/>
                     <a:lstStyle/>
                     <a:p>
-                      <a:pPr algn="ctr"/>
+                      <a:pPr marL="0" marR="0" lvl="0" indent="0" algn="ctr" defTabSz="914400" rtl="0" eaLnBrk="1" fontAlgn="auto" latinLnBrk="0" hangingPunct="1">
+                        <a:lnSpc>
+                          <a:spcPct val="100000"/>
+                        </a:lnSpc>
+                        <a:spcBef>
+                          <a:spcPts val="0"/>
+                        </a:spcBef>
+                        <a:spcAft>
+                          <a:spcPts val="0"/>
+                        </a:spcAft>
+                        <a:buClrTx/>
+                        <a:buSzTx/>
+                        <a:buFontTx/>
+                        <a:buNone/>
+                        <a:tabLst/>
+                        <a:defRPr/>
+                      </a:pPr>
                       <a:r>
-                        <a:rPr lang="fr-FR" sz="1100" b="1" dirty="0">
+                        <a:rPr lang="fr-FR" sz="1100" b="1">
                           <a:solidFill>
                             <a:srgbClr val="000000"/>
                           </a:solidFill>
@@ -17410,7 +17468,7 @@
                         </a:rPr>
                         <a:t>★</a:t>
                       </a:r>
-                      <a:endParaRPr lang="fr-FR" sz="1100" dirty="0">
+                      <a:endParaRPr lang="fr-FR" sz="1100">
                         <a:effectLst/>
                         <a:latin typeface="Poppins" panose="00000500000000000000" pitchFamily="2" charset="0"/>
                         <a:ea typeface="Times New Roman" panose="02020603050405020304" pitchFamily="18" charset="0"/>
@@ -17419,8 +17477,14 @@
                     </a:p>
                   </a:txBody>
                   <a:tcPr marL="44450" marR="44450" marT="0" marB="0" anchor="ctr">
-                    <a:lnL>
-                      <a:noFill/>
+                    <a:lnL w="12700" cap="flat" cmpd="sng" algn="ctr">
+                      <a:solidFill>
+                        <a:srgbClr val="A6A6A6"/>
+                      </a:solidFill>
+                      <a:prstDash val="solid"/>
+                      <a:round/>
+                      <a:headEnd type="none" w="med" len="med"/>
+                      <a:tailEnd type="none" w="med" len="med"/>
                     </a:lnL>
                     <a:lnR>
                       <a:noFill/>
@@ -17434,8 +17498,14 @@
                       <a:headEnd type="none" w="med" len="med"/>
                       <a:tailEnd type="none" w="med" len="med"/>
                     </a:lnT>
-                    <a:lnB>
-                      <a:noFill/>
+                    <a:lnB w="12700" cap="flat" cmpd="sng" algn="ctr">
+                      <a:solidFill>
+                        <a:srgbClr val="A6A6A6"/>
+                      </a:solidFill>
+                      <a:prstDash val="solid"/>
+                      <a:round/>
+                      <a:headEnd type="none" w="med" len="med"/>
+                      <a:tailEnd type="none" w="med" len="med"/>
                     </a:lnB>
                   </a:tcPr>
                 </a:tc>
@@ -17445,7 +17515,7 @@
                     <a:lstStyle/>
                     <a:p>
                       <a:pPr algn="ctr"/>
-                      <a:endParaRPr lang="fr-FR" sz="1100" dirty="0">
+                      <a:endParaRPr lang="fr-FR" sz="1100" b="1" dirty="0">
                         <a:effectLst/>
                         <a:latin typeface="Poppins"/>
                         <a:ea typeface="Times New Roman" panose="02020603050405020304" pitchFamily="18" charset="0"/>
@@ -17475,8 +17545,14 @@
                       <a:headEnd type="none" w="med" len="med"/>
                       <a:tailEnd type="none" w="med" len="med"/>
                     </a:lnT>
-                    <a:lnB>
-                      <a:noFill/>
+                    <a:lnB w="12700" cap="flat" cmpd="sng" algn="ctr">
+                      <a:solidFill>
+                        <a:srgbClr val="A6A6A6"/>
+                      </a:solidFill>
+                      <a:prstDash val="solid"/>
+                      <a:round/>
+                      <a:headEnd type="none" w="med" len="med"/>
+                      <a:tailEnd type="none" w="med" len="med"/>
                     </a:lnB>
                     <a:solidFill>
                       <a:srgbClr val="DF3D03"/>
@@ -17489,7 +17565,7 @@
                   </a:ext>
                 </a:extLst>
               </a:tr>
-              <a:tr h="476250">
+              <a:tr h="586800">
                 <a:tc>
                   <a:txBody>
                     <a:bodyPr/>
@@ -17497,7 +17573,7 @@
                     <a:p>
                       <a:pPr algn="ctr"/>
                       <a:r>
-                        <a:rPr lang="fr-FR" sz="1100" b="1" dirty="0">
+                        <a:rPr lang="fr-FR" sz="1100" b="1">
                           <a:solidFill>
                             <a:srgbClr val="FFFFFF"/>
                           </a:solidFill>
@@ -17508,7 +17584,7 @@
                         </a:rPr>
                         <a:t>Références</a:t>
                       </a:r>
-                      <a:endParaRPr lang="fr-FR" sz="1100" dirty="0">
+                      <a:endParaRPr lang="fr-FR" sz="1100">
                         <a:effectLst/>
                         <a:latin typeface="Poppins" panose="00000500000000000000" pitchFamily="2" charset="0"/>
                         <a:ea typeface="Times New Roman" panose="02020603050405020304" pitchFamily="18" charset="0"/>
@@ -17528,7 +17604,7 @@
                     </a:lnL>
                     <a:lnR w="12700" cap="flat" cmpd="sng" algn="ctr">
                       <a:solidFill>
-                        <a:srgbClr val="FFFFFF"/>
+                        <a:schemeClr val="bg1"/>
                       </a:solidFill>
                       <a:prstDash val="solid"/>
                       <a:round/>
@@ -17558,7 +17634,7 @@
                     </a:solidFill>
                   </a:tcPr>
                 </a:tc>
-                <a:tc gridSpan="8">
+                <a:tc gridSpan="7">
                   <a:txBody>
                     <a:bodyPr/>
                     <a:lstStyle/>
@@ -17575,7 +17651,7 @@
                   <a:tcPr marL="44450" marR="44450" marT="0" marB="0" anchor="ctr">
                     <a:lnL w="12700" cap="flat" cmpd="sng" algn="ctr">
                       <a:solidFill>
-                        <a:srgbClr val="FFFFFF"/>
+                        <a:schemeClr val="bg1"/>
                       </a:solidFill>
                       <a:prstDash val="solid"/>
                       <a:round/>
@@ -17591,8 +17667,14 @@
                       <a:headEnd type="none" w="med" len="med"/>
                       <a:tailEnd type="none" w="med" len="med"/>
                     </a:lnR>
-                    <a:lnT>
-                      <a:noFill/>
+                    <a:lnT w="12700" cap="flat" cmpd="sng" algn="ctr">
+                      <a:solidFill>
+                        <a:srgbClr val="A6A6A6"/>
+                      </a:solidFill>
+                      <a:prstDash val="solid"/>
+                      <a:round/>
+                      <a:headEnd type="none" w="med" len="med"/>
+                      <a:tailEnd type="none" w="med" len="med"/>
                     </a:lnT>
                     <a:lnB w="12700" cap="flat" cmpd="sng" algn="ctr">
                       <a:solidFill>
@@ -17636,17 +17718,26 @@
                       <a:endParaRPr lang="fr-FR"/>
                     </a:p>
                   </a:txBody>
-                  <a:tcPr/>
-                </a:tc>
-                <a:tc hMerge="1">
-                  <a:txBody>
-                    <a:bodyPr/>
-                    <a:lstStyle/>
-                    <a:p>
-                      <a:endParaRPr lang="fr-FR"/>
-                    </a:p>
-                  </a:txBody>
-                  <a:tcPr/>
+                  <a:tcPr>
+                    <a:lnL w="12700" cap="flat" cmpd="sng" algn="ctr">
+                      <a:solidFill>
+                        <a:srgbClr val="AEAAAA"/>
+                      </a:solidFill>
+                      <a:prstDash val="solid"/>
+                      <a:round/>
+                      <a:headEnd type="none" w="med" len="med"/>
+                      <a:tailEnd type="none" w="med" len="med"/>
+                    </a:lnL>
+                    <a:lnT w="12700" cap="flat" cmpd="sng" algn="ctr">
+                      <a:solidFill>
+                        <a:srgbClr val="A6A6A6"/>
+                      </a:solidFill>
+                      <a:prstDash val="solid"/>
+                      <a:round/>
+                      <a:headEnd type="none" w="med" len="med"/>
+                      <a:tailEnd type="none" w="med" len="med"/>
+                    </a:lnT>
+                  </a:tcPr>
                 </a:tc>
                 <a:tc hMerge="1">
                   <a:txBody>
@@ -17702,10 +17793,35 @@
           </a:graphicData>
         </a:graphic>
       </p:graphicFrame>
+      <p:sp>
+        <p:nvSpPr>
+          <p:cNvPr id="5" name="Titre 4">
+            <a:extLst>
+              <a:ext uri="{FF2B5EF4-FFF2-40B4-BE49-F238E27FC236}">
+                <a16:creationId xmlns:a16="http://schemas.microsoft.com/office/drawing/2014/main" id="{BACF87CE-5500-6D11-0CDC-F3C8B073C0AB}"/>
+              </a:ext>
+            </a:extLst>
+          </p:cNvPr>
+          <p:cNvSpPr>
+            <a:spLocks noGrp="1"/>
+          </p:cNvSpPr>
+          <p:nvPr>
+            <p:ph type="title"/>
+          </p:nvPr>
+        </p:nvSpPr>
+        <p:spPr/>
+        <p:txBody>
+          <a:bodyPr/>
+          <a:lstStyle/>
+          <a:p>
+            <a:endParaRPr lang="fr-FR"/>
+          </a:p>
+        </p:txBody>
+      </p:sp>
     </p:spTree>
     <p:extLst>
       <p:ext uri="{BB962C8B-B14F-4D97-AF65-F5344CB8AC3E}">
-        <p14:creationId xmlns:p14="http://schemas.microsoft.com/office/powerpoint/2010/main" val="3926959099"/>
+        <p14:creationId xmlns:p14="http://schemas.microsoft.com/office/powerpoint/2010/main" val="3974473623"/>
       </p:ext>
     </p:extLst>
   </p:cSld>
@@ -18519,25 +18635,8 @@
 </file>
 
 <file path=customXml/item1.xml><?xml version="1.0" encoding="utf-8"?>
-<p:properties xmlns:p="http://schemas.microsoft.com/office/2006/metadata/properties" xmlns:xsi="http://www.w3.org/2001/XMLSchema-instance" xmlns:pc="http://schemas.microsoft.com/office/infopath/2007/PartnerControls">
-  <documentManagement>
-    <Commentaire xmlns="af713767-214a-4bd6-bb22-5e12be2a507c" xsi:nil="true"/>
-  </documentManagement>
-</p:properties>
-</file>
-
-<file path=customXml/item2.xml><?xml version="1.0" encoding="utf-8"?>
-<?mso-contentType ?>
-<FormTemplates xmlns="http://schemas.microsoft.com/sharepoint/v3/contenttype/forms">
-  <Display>DocumentLibraryForm</Display>
-  <Edit>DocumentLibraryForm</Edit>
-  <New>DocumentLibraryForm</New>
-</FormTemplates>
-</file>
-
-<file path=customXml/item3.xml><?xml version="1.0" encoding="utf-8"?>
-<ct:contentTypeSchema xmlns:ct="http://schemas.microsoft.com/office/2006/metadata/contentType" xmlns:ma="http://schemas.microsoft.com/office/2006/metadata/properties/metaAttributes" ct:_="" ma:_="" ma:contentTypeName="Document" ma:contentTypeID="0x0101005B70D1163D24424DB271A08C838A3DCE" ma:contentTypeVersion="6" ma:contentTypeDescription="Crée un document." ma:contentTypeScope="" ma:versionID="6fc36533abfe8ebdffcd79fe17114ecf">
-  <xsd:schema xmlns:xsd="http://www.w3.org/2001/XMLSchema" xmlns:xs="http://www.w3.org/2001/XMLSchema" xmlns:p="http://schemas.microsoft.com/office/2006/metadata/properties" xmlns:ns2="af713767-214a-4bd6-bb22-5e12be2a507c" xmlns:ns3="f6692619-c2ea-4dd0-8af0-bd44e944a60c" targetNamespace="http://schemas.microsoft.com/office/2006/metadata/properties" ma:root="true" ma:fieldsID="f972798a823536c29535643d632f2e4b" ns2:_="" ns3:_="">
+<ct:contentTypeSchema xmlns:ct="http://schemas.microsoft.com/office/2006/metadata/contentType" xmlns:ma="http://schemas.microsoft.com/office/2006/metadata/properties/metaAttributes" ct:_="" ma:_="" ma:contentTypeName="Document" ma:contentTypeID="0x0101005B70D1163D24424DB271A08C838A3DCE" ma:contentTypeVersion="7" ma:contentTypeDescription="Crée un document." ma:contentTypeScope="" ma:versionID="c20db6ec2c8bfb1f2a80c1d63ca15e48">
+  <xsd:schema xmlns:xsd="http://www.w3.org/2001/XMLSchema" xmlns:xs="http://www.w3.org/2001/XMLSchema" xmlns:p="http://schemas.microsoft.com/office/2006/metadata/properties" xmlns:ns2="af713767-214a-4bd6-bb22-5e12be2a507c" xmlns:ns3="f6692619-c2ea-4dd0-8af0-bd44e944a60c" targetNamespace="http://schemas.microsoft.com/office/2006/metadata/properties" ma:root="true" ma:fieldsID="98ccbd9cd820ef9b694ee4184e6f58af" ns2:_="" ns3:_="">
     <xsd:import namespace="af713767-214a-4bd6-bb22-5e12be2a507c"/>
     <xsd:import namespace="f6692619-c2ea-4dd0-8af0-bd44e944a60c"/>
     <xsd:element name="properties">
@@ -18552,6 +18651,7 @@
                 <xsd:element ref="ns3:SharedWithDetails" minOccurs="0"/>
                 <xsd:element ref="ns2:Commentaire" minOccurs="0"/>
                 <xsd:element ref="ns2:MediaServiceObjectDetectorVersions" minOccurs="0"/>
+                <xsd:element ref="ns2:Nombredepage" minOccurs="0"/>
               </xsd:all>
             </xsd:complexType>
           </xsd:element>
@@ -18582,6 +18682,11 @@
     <xsd:element name="MediaServiceObjectDetectorVersions" ma:index="13" nillable="true" ma:displayName="MediaServiceObjectDetectorVersions" ma:hidden="true" ma:indexed="true" ma:internalName="MediaServiceObjectDetectorVersions" ma:readOnly="true">
       <xsd:simpleType>
         <xsd:restriction base="dms:Text"/>
+      </xsd:simpleType>
+    </xsd:element>
+    <xsd:element name="Nombredepage" ma:index="14" nillable="true" ma:displayName="Nombre de vulnérabilités" ma:format="Dropdown" ma:internalName="Nombredepage" ma:percentage="FALSE">
+      <xsd:simpleType>
+        <xsd:restriction base="dms:Number"/>
       </xsd:simpleType>
     </xsd:element>
   </xsd:schema>
@@ -18714,33 +18819,26 @@
 </ct:contentTypeSchema>
 </file>
 
-<file path=customXml/itemProps1.xml><?xml version="1.0" encoding="utf-8"?>
-<ds:datastoreItem xmlns:ds="http://schemas.openxmlformats.org/officeDocument/2006/customXml" ds:itemID="{7B69A624-7CDA-4A4F-8F76-A0E317190BE3}">
-  <ds:schemaRefs>
-    <ds:schemaRef ds:uri="http://purl.org/dc/terms/"/>
-    <ds:schemaRef ds:uri="http://schemas.microsoft.com/office/2006/documentManagement/types"/>
-    <ds:schemaRef ds:uri="http://purl.org/dc/elements/1.1/"/>
-    <ds:schemaRef ds:uri="http://www.w3.org/XML/1998/namespace"/>
-    <ds:schemaRef ds:uri="http://purl.org/dc/dcmitype/"/>
-    <ds:schemaRef ds:uri="http://schemas.microsoft.com/office/infopath/2007/PartnerControls"/>
-    <ds:schemaRef ds:uri="http://schemas.openxmlformats.org/package/2006/metadata/core-properties"/>
-    <ds:schemaRef ds:uri="f6692619-c2ea-4dd0-8af0-bd44e944a60c"/>
-    <ds:schemaRef ds:uri="af713767-214a-4bd6-bb22-5e12be2a507c"/>
-    <ds:schemaRef ds:uri="http://schemas.microsoft.com/office/2006/metadata/properties"/>
-  </ds:schemaRefs>
-</ds:datastoreItem>
+<file path=customXml/item2.xml><?xml version="1.0" encoding="utf-8"?>
+<?mso-contentType ?>
+<FormTemplates xmlns="http://schemas.microsoft.com/sharepoint/v3/contenttype/forms">
+  <Display>DocumentLibraryForm</Display>
+  <Edit>DocumentLibraryForm</Edit>
+  <New>DocumentLibraryForm</New>
+</FormTemplates>
 </file>
 
-<file path=customXml/itemProps2.xml><?xml version="1.0" encoding="utf-8"?>
-<ds:datastoreItem xmlns:ds="http://schemas.openxmlformats.org/officeDocument/2006/customXml" ds:itemID="{51E7C57D-5330-4042-B69D-BB722E8C80AA}">
-  <ds:schemaRefs>
-    <ds:schemaRef ds:uri="http://schemas.microsoft.com/sharepoint/v3/contenttype/forms"/>
-  </ds:schemaRefs>
-</ds:datastoreItem>
+<file path=customXml/item3.xml><?xml version="1.0" encoding="utf-8"?>
+<p:properties xmlns:p="http://schemas.microsoft.com/office/2006/metadata/properties" xmlns:xsi="http://www.w3.org/2001/XMLSchema-instance" xmlns:pc="http://schemas.microsoft.com/office/infopath/2007/PartnerControls">
+  <documentManagement>
+    <Commentaire xmlns="af713767-214a-4bd6-bb22-5e12be2a507c" xsi:nil="true"/>
+    <Nombredepage xmlns="af713767-214a-4bd6-bb22-5e12be2a507c">3</Nombredepage>
+  </documentManagement>
+</p:properties>
 </file>
 
-<file path=customXml/itemProps3.xml><?xml version="1.0" encoding="utf-8"?>
-<ds:datastoreItem xmlns:ds="http://schemas.openxmlformats.org/officeDocument/2006/customXml" ds:itemID="{CB18CC5C-6579-40DF-89CE-1724698491A9}">
+<file path=customXml/itemProps1.xml><?xml version="1.0" encoding="utf-8"?>
+<ds:datastoreItem xmlns:ds="http://schemas.openxmlformats.org/officeDocument/2006/customXml" ds:itemID="{8B9591FD-4A76-4E07-8259-798F148B42B6}">
   <ds:schemaRefs>
     <ds:schemaRef ds:uri="http://schemas.microsoft.com/office/2006/metadata/contentType"/>
     <ds:schemaRef ds:uri="http://schemas.microsoft.com/office/2006/metadata/properties/metaAttributes"/>
@@ -18758,6 +18856,31 @@
 </ds:datastoreItem>
 </file>
 
+<file path=customXml/itemProps2.xml><?xml version="1.0" encoding="utf-8"?>
+<ds:datastoreItem xmlns:ds="http://schemas.openxmlformats.org/officeDocument/2006/customXml" ds:itemID="{51E7C57D-5330-4042-B69D-BB722E8C80AA}">
+  <ds:schemaRefs>
+    <ds:schemaRef ds:uri="http://schemas.microsoft.com/sharepoint/v3/contenttype/forms"/>
+  </ds:schemaRefs>
+</ds:datastoreItem>
+</file>
+
+<file path=customXml/itemProps3.xml><?xml version="1.0" encoding="utf-8"?>
+<ds:datastoreItem xmlns:ds="http://schemas.openxmlformats.org/officeDocument/2006/customXml" ds:itemID="{7B69A624-7CDA-4A4F-8F76-A0E317190BE3}">
+  <ds:schemaRefs>
+    <ds:schemaRef ds:uri="http://purl.org/dc/terms/"/>
+    <ds:schemaRef ds:uri="http://purl.org/dc/dcmitype/"/>
+    <ds:schemaRef ds:uri="http://www.w3.org/XML/1998/namespace"/>
+    <ds:schemaRef ds:uri="http://schemas.microsoft.com/office/2006/metadata/properties"/>
+    <ds:schemaRef ds:uri="http://schemas.microsoft.com/office/2006/documentManagement/types"/>
+    <ds:schemaRef ds:uri="http://purl.org/dc/elements/1.1/"/>
+    <ds:schemaRef ds:uri="http://schemas.openxmlformats.org/package/2006/metadata/core-properties"/>
+    <ds:schemaRef ds:uri="http://schemas.microsoft.com/office/infopath/2007/PartnerControls"/>
+    <ds:schemaRef ds:uri="f6692619-c2ea-4dd0-8af0-bd44e944a60c"/>
+    <ds:schemaRef ds:uri="af713767-214a-4bd6-bb22-5e12be2a507c"/>
+  </ds:schemaRefs>
+</ds:datastoreItem>
+</file>
+
 <file path=docMetadata/LabelInfo.xml><?xml version="1.0" encoding="utf-8"?>
 <clbl:labelList xmlns:clbl="http://schemas.microsoft.com/office/2020/mipLabelMetadata">
   <clbl:label id="{e8b88f3d-222b-4ce5-b9d1-46b0ff9466a0}" enabled="0" method="" siteId="{e8b88f3d-222b-4ce5-b9d1-46b0ff9466a0}" removed="1"/>
